--- a/Depi prject 3.pptx
+++ b/Depi prject 3.pptx
@@ -14,26 +14,31 @@
     <p:sldId id="284" r:id="rId8"/>
     <p:sldId id="262" r:id="rId9"/>
     <p:sldId id="272" r:id="rId10"/>
-    <p:sldId id="279" r:id="rId11"/>
-    <p:sldId id="273" r:id="rId12"/>
-    <p:sldId id="275" r:id="rId13"/>
-    <p:sldId id="274" r:id="rId14"/>
-    <p:sldId id="276" r:id="rId15"/>
-    <p:sldId id="277" r:id="rId16"/>
-    <p:sldId id="278" r:id="rId17"/>
-    <p:sldId id="280" r:id="rId18"/>
-    <p:sldId id="281" r:id="rId19"/>
-    <p:sldId id="282" r:id="rId20"/>
-    <p:sldId id="263" r:id="rId21"/>
-    <p:sldId id="264" r:id="rId22"/>
-    <p:sldId id="265" r:id="rId23"/>
-    <p:sldId id="266" r:id="rId24"/>
-    <p:sldId id="267" r:id="rId25"/>
-    <p:sldId id="268" r:id="rId26"/>
-    <p:sldId id="270" r:id="rId27"/>
-    <p:sldId id="271" r:id="rId28"/>
-    <p:sldId id="283" r:id="rId29"/>
-    <p:sldId id="269" r:id="rId30"/>
+    <p:sldId id="285" r:id="rId11"/>
+    <p:sldId id="286" r:id="rId12"/>
+    <p:sldId id="279" r:id="rId13"/>
+    <p:sldId id="273" r:id="rId14"/>
+    <p:sldId id="274" r:id="rId15"/>
+    <p:sldId id="276" r:id="rId16"/>
+    <p:sldId id="287" r:id="rId17"/>
+    <p:sldId id="288" r:id="rId18"/>
+    <p:sldId id="277" r:id="rId19"/>
+    <p:sldId id="281" r:id="rId20"/>
+    <p:sldId id="278" r:id="rId21"/>
+    <p:sldId id="289" r:id="rId22"/>
+    <p:sldId id="282" r:id="rId23"/>
+    <p:sldId id="290" r:id="rId24"/>
+    <p:sldId id="280" r:id="rId25"/>
+    <p:sldId id="263" r:id="rId26"/>
+    <p:sldId id="264" r:id="rId27"/>
+    <p:sldId id="265" r:id="rId28"/>
+    <p:sldId id="266" r:id="rId29"/>
+    <p:sldId id="267" r:id="rId30"/>
+    <p:sldId id="268" r:id="rId31"/>
+    <p:sldId id="270" r:id="rId32"/>
+    <p:sldId id="271" r:id="rId33"/>
+    <p:sldId id="283" r:id="rId34"/>
+    <p:sldId id="269" r:id="rId35"/>
   </p:sldIdLst>
   <p:sldSz cx="12192000" cy="6858000"/>
   <p:notesSz cx="6858000" cy="9144000"/>
@@ -3704,7 +3709,7 @@
           <a:p>
             <a:fld id="{66FC2B70-E037-4C40-A8EA-A99E529426A1}" type="datetimeFigureOut">
               <a:rPr lang="en-US" smtClean="0"/>
-              <a:t>5/9/2025</a:t>
+              <a:t>5/16/2025</a:t>
             </a:fld>
             <a:endParaRPr lang="en-US"/>
           </a:p>
@@ -3909,7 +3914,7 @@
           <a:p>
             <a:fld id="{66FC2B70-E037-4C40-A8EA-A99E529426A1}" type="datetimeFigureOut">
               <a:rPr lang="en-US" smtClean="0"/>
-              <a:t>5/9/2025</a:t>
+              <a:t>5/16/2025</a:t>
             </a:fld>
             <a:endParaRPr lang="en-US"/>
           </a:p>
@@ -4089,7 +4094,7 @@
           <a:p>
             <a:fld id="{66FC2B70-E037-4C40-A8EA-A99E529426A1}" type="datetimeFigureOut">
               <a:rPr lang="en-US" smtClean="0"/>
-              <a:t>5/9/2025</a:t>
+              <a:t>5/16/2025</a:t>
             </a:fld>
             <a:endParaRPr lang="en-US"/>
           </a:p>
@@ -4294,7 +4299,7 @@
           <a:p>
             <a:fld id="{66FC2B70-E037-4C40-A8EA-A99E529426A1}" type="datetimeFigureOut">
               <a:rPr lang="en-US" smtClean="0"/>
-              <a:t>5/9/2025</a:t>
+              <a:t>5/16/2025</a:t>
             </a:fld>
             <a:endParaRPr lang="en-US"/>
           </a:p>
@@ -7963,7 +7968,7 @@
           <a:p>
             <a:fld id="{66FC2B70-E037-4C40-A8EA-A99E529426A1}" type="datetimeFigureOut">
               <a:rPr lang="en-US" smtClean="0"/>
-              <a:t>5/9/2025</a:t>
+              <a:t>5/16/2025</a:t>
             </a:fld>
             <a:endParaRPr lang="en-US"/>
           </a:p>
@@ -8235,7 +8240,7 @@
           <a:p>
             <a:fld id="{66FC2B70-E037-4C40-A8EA-A99E529426A1}" type="datetimeFigureOut">
               <a:rPr lang="en-US" smtClean="0"/>
-              <a:t>5/9/2025</a:t>
+              <a:t>5/16/2025</a:t>
             </a:fld>
             <a:endParaRPr lang="en-US"/>
           </a:p>
@@ -8638,7 +8643,7 @@
           <a:p>
             <a:fld id="{66FC2B70-E037-4C40-A8EA-A99E529426A1}" type="datetimeFigureOut">
               <a:rPr lang="en-US" smtClean="0"/>
-              <a:t>5/9/2025</a:t>
+              <a:t>5/16/2025</a:t>
             </a:fld>
             <a:endParaRPr lang="en-US"/>
           </a:p>
@@ -8756,7 +8761,7 @@
           <a:p>
             <a:fld id="{66FC2B70-E037-4C40-A8EA-A99E529426A1}" type="datetimeFigureOut">
               <a:rPr lang="en-US" smtClean="0"/>
-              <a:t>5/9/2025</a:t>
+              <a:t>5/16/2025</a:t>
             </a:fld>
             <a:endParaRPr lang="en-US"/>
           </a:p>
@@ -8851,7 +8856,7 @@
           <a:p>
             <a:fld id="{66FC2B70-E037-4C40-A8EA-A99E529426A1}" type="datetimeFigureOut">
               <a:rPr lang="en-US" smtClean="0"/>
-              <a:t>5/9/2025</a:t>
+              <a:t>5/16/2025</a:t>
             </a:fld>
             <a:endParaRPr lang="en-US"/>
           </a:p>
@@ -9141,7 +9146,7 @@
           <a:p>
             <a:fld id="{66FC2B70-E037-4C40-A8EA-A99E529426A1}" type="datetimeFigureOut">
               <a:rPr lang="en-US" smtClean="0"/>
-              <a:t>5/9/2025</a:t>
+              <a:t>5/16/2025</a:t>
             </a:fld>
             <a:endParaRPr lang="en-US"/>
           </a:p>
@@ -9421,7 +9426,7 @@
           <a:p>
             <a:fld id="{66FC2B70-E037-4C40-A8EA-A99E529426A1}" type="datetimeFigureOut">
               <a:rPr lang="en-US" smtClean="0"/>
-              <a:t>5/9/2025</a:t>
+              <a:t>5/16/2025</a:t>
             </a:fld>
             <a:endParaRPr lang="en-US"/>
           </a:p>
@@ -9671,7 +9676,7 @@
           <a:p>
             <a:fld id="{66FC2B70-E037-4C40-A8EA-A99E529426A1}" type="datetimeFigureOut">
               <a:rPr lang="en-US" smtClean="0"/>
-              <a:t>5/9/2025</a:t>
+              <a:t>5/16/2025</a:t>
             </a:fld>
             <a:endParaRPr lang="en-US"/>
           </a:p>
@@ -10196,13 +10201,8 @@
           <a:p>
             <a:r>
               <a:rPr lang="en-US" dirty="0"/>
-              <a:t>Liver </a:t>
+              <a:t>Liver Cirrhosis</a:t>
             </a:r>
-            <a:r>
-              <a:rPr lang="en-US" dirty="0" err="1"/>
-              <a:t>Cirrihosis</a:t>
-            </a:r>
-            <a:endParaRPr lang="en-US" dirty="0"/>
           </a:p>
         </p:txBody>
       </p:sp>
@@ -10278,6 +10278,636 @@
       </p:grpSpPr>
       <p:sp>
         <p:nvSpPr>
+          <p:cNvPr id="2" name="Title 1">
+            <a:extLst>
+              <a:ext uri="{FF2B5EF4-FFF2-40B4-BE49-F238E27FC236}">
+                <a16:creationId xmlns:a16="http://schemas.microsoft.com/office/drawing/2014/main" id="{C49DF987-9079-09C1-400C-10F77A990362}"/>
+              </a:ext>
+            </a:extLst>
+          </p:cNvPr>
+          <p:cNvSpPr>
+            <a:spLocks noGrp="1"/>
+          </p:cNvSpPr>
+          <p:nvPr>
+            <p:ph type="title"/>
+          </p:nvPr>
+        </p:nvSpPr>
+        <p:spPr>
+          <a:xfrm>
+            <a:off x="1024128" y="585216"/>
+            <a:ext cx="3133581" cy="1499616"/>
+          </a:xfrm>
+        </p:spPr>
+        <p:txBody>
+          <a:bodyPr>
+            <a:normAutofit/>
+          </a:bodyPr>
+          <a:lstStyle/>
+          <a:p>
+            <a:r>
+              <a:rPr lang="en-US" sz="4000" dirty="0"/>
+              <a:t>Distribution of the columns</a:t>
+            </a:r>
+          </a:p>
+        </p:txBody>
+      </p:sp>
+      <p:sp>
+        <p:nvSpPr>
+          <p:cNvPr id="3" name="Content Placeholder 2">
+            <a:extLst>
+              <a:ext uri="{FF2B5EF4-FFF2-40B4-BE49-F238E27FC236}">
+                <a16:creationId xmlns:a16="http://schemas.microsoft.com/office/drawing/2014/main" id="{AD36C8E5-EB03-7CE0-F8E9-CABE8C429A1C}"/>
+              </a:ext>
+            </a:extLst>
+          </p:cNvPr>
+          <p:cNvSpPr>
+            <a:spLocks noGrp="1"/>
+          </p:cNvSpPr>
+          <p:nvPr>
+            <p:ph idx="1"/>
+          </p:nvPr>
+        </p:nvSpPr>
+        <p:spPr>
+          <a:xfrm>
+            <a:off x="1024128" y="2286000"/>
+            <a:ext cx="3133580" cy="3931920"/>
+          </a:xfrm>
+        </p:spPr>
+        <p:txBody>
+          <a:bodyPr>
+            <a:normAutofit/>
+          </a:bodyPr>
+          <a:lstStyle/>
+          <a:p>
+            <a:pPr>
+              <a:buFont typeface="Arial" panose="020B0604020202020204" pitchFamily="34" charset="0"/>
+              <a:buChar char="•"/>
+            </a:pPr>
+            <a:r>
+              <a:rPr lang="en-US" sz="1600" dirty="0"/>
+              <a:t>The graph shows normal distribution of the ag</a:t>
+            </a:r>
+          </a:p>
+          <a:p>
+            <a:pPr>
+              <a:buFont typeface="Arial" panose="020B0604020202020204" pitchFamily="34" charset="0"/>
+              <a:buChar char="•"/>
+            </a:pPr>
+            <a:r>
+              <a:rPr lang="en-US" sz="1600" b="1" dirty="0"/>
+              <a:t>Liver cirrhosis</a:t>
+            </a:r>
+            <a:r>
+              <a:rPr lang="en-US" sz="1600" dirty="0"/>
+              <a:t> most commonly affects people aged </a:t>
+            </a:r>
+            <a:r>
+              <a:rPr lang="en-US" sz="1600" b="1" dirty="0"/>
+              <a:t>45 to 65 years</a:t>
+            </a:r>
+            <a:r>
+              <a:rPr lang="en-US" sz="1600" dirty="0"/>
+              <a:t>. The risk is highest in this age group due to longer exposure to liver-damaging conditions like alcohol use, chronic hepatitis, and non-alcoholic fatty liver disease.</a:t>
+            </a:r>
+            <a:br>
+              <a:rPr lang="en-US" sz="1600" dirty="0"/>
+            </a:br>
+            <a:r>
+              <a:rPr lang="en-US" sz="1600" b="1" dirty="0"/>
+              <a:t>Reference</a:t>
+            </a:r>
+            <a:r>
+              <a:rPr lang="en-US" sz="1600" dirty="0"/>
+              <a:t>: Schuppan, D., &amp; Afdhal, N. H. (2008). </a:t>
+            </a:r>
+            <a:r>
+              <a:rPr lang="en-US" sz="1600" i="1" dirty="0"/>
+              <a:t>Liver cirrhosis</a:t>
+            </a:r>
+            <a:r>
+              <a:rPr lang="en-US" sz="1600" dirty="0"/>
+              <a:t>. The Lancet, 371(9615), 838-851.</a:t>
+            </a:r>
+          </a:p>
+        </p:txBody>
+      </p:sp>
+      <p:pic>
+        <p:nvPicPr>
+          <p:cNvPr id="5" name="Picture 4" descr="A graph of age value&#10;&#10;AI-generated content may be incorrect.">
+            <a:extLst>
+              <a:ext uri="{FF2B5EF4-FFF2-40B4-BE49-F238E27FC236}">
+                <a16:creationId xmlns:a16="http://schemas.microsoft.com/office/drawing/2014/main" id="{4A9A0D34-D499-0056-8BF3-783CF513E67F}"/>
+              </a:ext>
+            </a:extLst>
+          </p:cNvPr>
+          <p:cNvPicPr>
+            <a:picLocks noChangeAspect="1"/>
+          </p:cNvPicPr>
+          <p:nvPr/>
+        </p:nvPicPr>
+        <p:blipFill>
+          <a:blip r:embed="rId2">
+            <a:extLst>
+              <a:ext uri="{28A0092B-C50C-407E-A947-70E740481C1C}">
+                <a14:useLocalDpi xmlns:a14="http://schemas.microsoft.com/office/drawing/2010/main" val="0"/>
+              </a:ext>
+            </a:extLst>
+          </a:blip>
+          <a:stretch>
+            <a:fillRect/>
+          </a:stretch>
+        </p:blipFill>
+        <p:spPr>
+          <a:xfrm>
+            <a:off x="4642342" y="1952078"/>
+            <a:ext cx="6909577" cy="2953843"/>
+          </a:xfrm>
+          <a:prstGeom prst="rect">
+            <a:avLst/>
+          </a:prstGeom>
+        </p:spPr>
+      </p:pic>
+    </p:spTree>
+    <p:extLst>
+      <p:ext uri="{BB962C8B-B14F-4D97-AF65-F5344CB8AC3E}">
+        <p14:creationId xmlns:p14="http://schemas.microsoft.com/office/powerpoint/2010/main" val="1381954195"/>
+      </p:ext>
+    </p:extLst>
+  </p:cSld>
+  <p:clrMapOvr>
+    <a:masterClrMapping/>
+  </p:clrMapOvr>
+</p:sld>
+</file>
+
+<file path=ppt/slides/slide11.xml><?xml version="1.0" encoding="utf-8"?>
+<p:sld xmlns:a="http://schemas.openxmlformats.org/drawingml/2006/main" xmlns:r="http://schemas.openxmlformats.org/officeDocument/2006/relationships" xmlns:p="http://schemas.openxmlformats.org/presentationml/2006/main">
+  <p:cSld>
+    <p:bg>
+      <p:bgPr>
+        <a:solidFill>
+          <a:schemeClr val="bg1"/>
+        </a:solidFill>
+        <a:effectLst/>
+      </p:bgPr>
+    </p:bg>
+    <p:spTree>
+      <p:nvGrpSpPr>
+        <p:cNvPr id="1" name=""/>
+        <p:cNvGrpSpPr/>
+        <p:nvPr/>
+      </p:nvGrpSpPr>
+      <p:grpSpPr>
+        <a:xfrm>
+          <a:off x="0" y="0"/>
+          <a:ext cx="0" cy="0"/>
+          <a:chOff x="0" y="0"/>
+          <a:chExt cx="0" cy="0"/>
+        </a:xfrm>
+      </p:grpSpPr>
+      <p:sp>
+        <p:nvSpPr>
+          <p:cNvPr id="3" name="Content Placeholder 2">
+            <a:extLst>
+              <a:ext uri="{FF2B5EF4-FFF2-40B4-BE49-F238E27FC236}">
+                <a16:creationId xmlns:a16="http://schemas.microsoft.com/office/drawing/2014/main" id="{5D8890EC-4DE3-0999-1D5D-E5EE2B6383E5}"/>
+              </a:ext>
+            </a:extLst>
+          </p:cNvPr>
+          <p:cNvSpPr>
+            <a:spLocks noGrp="1"/>
+          </p:cNvSpPr>
+          <p:nvPr>
+            <p:ph idx="1"/>
+          </p:nvPr>
+        </p:nvSpPr>
+        <p:spPr>
+          <a:xfrm>
+            <a:off x="1024128" y="2286000"/>
+            <a:ext cx="6066818" cy="4023360"/>
+          </a:xfrm>
+        </p:spPr>
+        <p:txBody>
+          <a:bodyPr>
+            <a:normAutofit/>
+          </a:bodyPr>
+          <a:lstStyle/>
+          <a:p>
+            <a:pPr marL="0" marR="0" lvl="0" indent="0" defTabSz="914400" rtl="0" eaLnBrk="0" fontAlgn="base" latinLnBrk="0" hangingPunct="0">
+              <a:spcBef>
+                <a:spcPct val="0"/>
+              </a:spcBef>
+              <a:spcAft>
+                <a:spcPct val="0"/>
+              </a:spcAft>
+              <a:buClrTx/>
+              <a:buSzTx/>
+              <a:buFontTx/>
+              <a:buChar char="•"/>
+              <a:tabLst/>
+            </a:pPr>
+            <a:r>
+              <a:rPr kumimoji="0" lang="en-US" altLang="en-US" b="1" i="0" u="none" strike="noStrike" cap="none" normalizeH="0" baseline="0" dirty="0">
+                <a:ln>
+                  <a:noFill/>
+                </a:ln>
+                <a:effectLst/>
+                <a:latin typeface="Tw Cen MT (Body)"/>
+              </a:rPr>
+              <a:t>Platelets</a:t>
+            </a:r>
+            <a:r>
+              <a:rPr kumimoji="0" lang="en-US" altLang="en-US" b="0" i="0" u="none" strike="noStrike" cap="none" normalizeH="0" baseline="0" dirty="0">
+                <a:ln>
+                  <a:noFill/>
+                </a:ln>
+                <a:effectLst/>
+                <a:latin typeface="Tw Cen MT (Body)"/>
+              </a:rPr>
+              <a:t>: These are blood cells essential for clotting. In liver cirrhosis, </a:t>
+            </a:r>
+            <a:r>
+              <a:rPr kumimoji="0" lang="en-US" altLang="en-US" b="1" i="0" u="none" strike="noStrike" cap="none" normalizeH="0" baseline="0" dirty="0">
+                <a:ln>
+                  <a:noFill/>
+                </a:ln>
+                <a:effectLst/>
+                <a:latin typeface="Tw Cen MT (Body)"/>
+              </a:rPr>
+              <a:t>platelet count often decreases</a:t>
+            </a:r>
+            <a:r>
+              <a:rPr kumimoji="0" lang="en-US" altLang="en-US" b="0" i="0" u="none" strike="noStrike" cap="none" normalizeH="0" baseline="0" dirty="0">
+                <a:ln>
+                  <a:noFill/>
+                </a:ln>
+                <a:effectLst/>
+                <a:latin typeface="Tw Cen MT (Body)"/>
+              </a:rPr>
+              <a:t> (thrombocytopenia) due to spleen enlargement and reduced production, making bleeding more likely</a:t>
+            </a:r>
+            <a:r>
+              <a:rPr lang="en-US" altLang="en-US" dirty="0">
+                <a:latin typeface="Tw Cen MT (Body)"/>
+              </a:rPr>
+              <a:t>, the normal range from 150 to 310 </a:t>
+            </a:r>
+            <a:r>
+              <a:rPr lang="en-US" altLang="en-US" dirty="0" err="1">
+                <a:latin typeface="Tw Cen MT (Body)"/>
+              </a:rPr>
+              <a:t>mlg</a:t>
+            </a:r>
+            <a:endParaRPr kumimoji="0" lang="en-US" altLang="en-US" b="0" i="0" u="none" strike="noStrike" cap="none" normalizeH="0" baseline="0" dirty="0">
+              <a:ln>
+                <a:noFill/>
+              </a:ln>
+              <a:effectLst/>
+              <a:latin typeface="Tw Cen MT (Body)"/>
+            </a:endParaRPr>
+          </a:p>
+          <a:p>
+            <a:pPr marL="0" marR="0" lvl="0" indent="0" defTabSz="914400" rtl="0" eaLnBrk="0" fontAlgn="base" latinLnBrk="0" hangingPunct="0">
+              <a:spcBef>
+                <a:spcPct val="0"/>
+              </a:spcBef>
+              <a:spcAft>
+                <a:spcPct val="0"/>
+              </a:spcAft>
+              <a:buClrTx/>
+              <a:buSzTx/>
+              <a:buFontTx/>
+              <a:buChar char="•"/>
+              <a:tabLst/>
+            </a:pPr>
+            <a:r>
+              <a:rPr kumimoji="0" lang="en-US" altLang="en-US" b="1" i="0" u="none" strike="noStrike" cap="none" normalizeH="0" baseline="0" dirty="0">
+                <a:ln>
+                  <a:noFill/>
+                </a:ln>
+                <a:effectLst/>
+                <a:latin typeface="Tw Cen MT (Body)"/>
+              </a:rPr>
+              <a:t>Prothrombin</a:t>
+            </a:r>
+            <a:r>
+              <a:rPr kumimoji="0" lang="en-US" altLang="en-US" b="0" i="0" u="none" strike="noStrike" cap="none" normalizeH="0" baseline="0" dirty="0">
+                <a:ln>
+                  <a:noFill/>
+                </a:ln>
+                <a:effectLst/>
+                <a:latin typeface="Tw Cen MT (Body)"/>
+              </a:rPr>
+              <a:t>: This is a </a:t>
+            </a:r>
+            <a:r>
+              <a:rPr kumimoji="0" lang="en-US" altLang="en-US" b="1" i="0" u="none" strike="noStrike" cap="none" normalizeH="0" baseline="0" dirty="0">
+                <a:ln>
+                  <a:noFill/>
+                </a:ln>
+                <a:effectLst/>
+                <a:latin typeface="Tw Cen MT (Body)"/>
+              </a:rPr>
+              <a:t>clotting protein made by the liver</a:t>
+            </a:r>
+            <a:r>
+              <a:rPr kumimoji="0" lang="en-US" altLang="en-US" b="0" i="0" u="none" strike="noStrike" cap="none" normalizeH="0" baseline="0" dirty="0">
+                <a:ln>
+                  <a:noFill/>
+                </a:ln>
+                <a:effectLst/>
+                <a:latin typeface="Tw Cen MT (Body)"/>
+              </a:rPr>
+              <a:t>. In cirrhosis, prothrombin levels drop, and the </a:t>
+            </a:r>
+            <a:r>
+              <a:rPr kumimoji="0" lang="en-US" altLang="en-US" b="1" i="0" u="none" strike="noStrike" cap="none" normalizeH="0" baseline="0" dirty="0">
+                <a:ln>
+                  <a:noFill/>
+                </a:ln>
+                <a:effectLst/>
+                <a:latin typeface="Tw Cen MT (Body)"/>
+              </a:rPr>
+              <a:t>prothrombin time (PT)</a:t>
+            </a:r>
+            <a:r>
+              <a:rPr kumimoji="0" lang="en-US" altLang="en-US" b="0" i="0" u="none" strike="noStrike" cap="none" normalizeH="0" baseline="0" dirty="0">
+                <a:ln>
+                  <a:noFill/>
+                </a:ln>
+                <a:effectLst/>
+                <a:latin typeface="Tw Cen MT (Body)"/>
+              </a:rPr>
+              <a:t> becomes prolonged, indicating impaired liver function and a higher bleeding risk. Normal range fro</a:t>
+            </a:r>
+            <a:r>
+              <a:rPr lang="en-US" altLang="en-US" dirty="0">
+                <a:latin typeface="Tw Cen MT (Body)"/>
+              </a:rPr>
+              <a:t>m 11 to 13.5 second</a:t>
+            </a:r>
+            <a:endParaRPr kumimoji="0" lang="en-US" altLang="en-US" b="0" i="0" u="none" strike="noStrike" cap="none" normalizeH="0" baseline="0" dirty="0">
+              <a:ln>
+                <a:noFill/>
+              </a:ln>
+              <a:effectLst/>
+              <a:latin typeface="Tw Cen MT (Body)"/>
+            </a:endParaRPr>
+          </a:p>
+        </p:txBody>
+      </p:sp>
+      <p:pic>
+        <p:nvPicPr>
+          <p:cNvPr id="13" name="Picture 12" descr="A graph of a number of patients&#10;&#10;AI-generated content may be incorrect.">
+            <a:extLst>
+              <a:ext uri="{FF2B5EF4-FFF2-40B4-BE49-F238E27FC236}">
+                <a16:creationId xmlns:a16="http://schemas.microsoft.com/office/drawing/2014/main" id="{A054B01A-266C-55AC-69A7-0199D301C16B}"/>
+              </a:ext>
+            </a:extLst>
+          </p:cNvPr>
+          <p:cNvPicPr>
+            <a:picLocks noChangeAspect="1"/>
+          </p:cNvPicPr>
+          <p:nvPr/>
+        </p:nvPicPr>
+        <p:blipFill>
+          <a:blip r:embed="rId2">
+            <a:extLst>
+              <a:ext uri="{28A0092B-C50C-407E-A947-70E740481C1C}">
+                <a14:useLocalDpi xmlns:a14="http://schemas.microsoft.com/office/drawing/2010/main" val="0"/>
+              </a:ext>
+            </a:extLst>
+          </a:blip>
+          <a:stretch>
+            <a:fillRect/>
+          </a:stretch>
+        </p:blipFill>
+        <p:spPr>
+          <a:xfrm>
+            <a:off x="7090946" y="4053931"/>
+            <a:ext cx="5006348" cy="2390530"/>
+          </a:xfrm>
+          <a:prstGeom prst="rect">
+            <a:avLst/>
+          </a:prstGeom>
+        </p:spPr>
+      </p:pic>
+      <p:pic>
+        <p:nvPicPr>
+          <p:cNvPr id="11" name="Picture 10" descr="A graph of a number of blue bars&#10;&#10;AI-generated content may be incorrect.">
+            <a:extLst>
+              <a:ext uri="{FF2B5EF4-FFF2-40B4-BE49-F238E27FC236}">
+                <a16:creationId xmlns:a16="http://schemas.microsoft.com/office/drawing/2014/main" id="{3F3F78AE-8029-0ACE-7225-33D64EEF48E8}"/>
+              </a:ext>
+            </a:extLst>
+          </p:cNvPr>
+          <p:cNvPicPr>
+            <a:picLocks noChangeAspect="1"/>
+          </p:cNvPicPr>
+          <p:nvPr/>
+        </p:nvPicPr>
+        <p:blipFill>
+          <a:blip r:embed="rId3">
+            <a:extLst>
+              <a:ext uri="{28A0092B-C50C-407E-A947-70E740481C1C}">
+                <a14:useLocalDpi xmlns:a14="http://schemas.microsoft.com/office/drawing/2010/main" val="0"/>
+              </a:ext>
+            </a:extLst>
+          </a:blip>
+          <a:stretch>
+            <a:fillRect/>
+          </a:stretch>
+        </p:blipFill>
+        <p:spPr>
+          <a:xfrm>
+            <a:off x="7050071" y="1706974"/>
+            <a:ext cx="5047223" cy="2346957"/>
+          </a:xfrm>
+          <a:prstGeom prst="rect">
+            <a:avLst/>
+          </a:prstGeom>
+        </p:spPr>
+      </p:pic>
+      <p:sp>
+        <p:nvSpPr>
+          <p:cNvPr id="14" name="Title 1">
+            <a:extLst>
+              <a:ext uri="{FF2B5EF4-FFF2-40B4-BE49-F238E27FC236}">
+                <a16:creationId xmlns:a16="http://schemas.microsoft.com/office/drawing/2014/main" id="{6E9FA10D-89DC-E819-FE1B-24F84D19212E}"/>
+              </a:ext>
+            </a:extLst>
+          </p:cNvPr>
+          <p:cNvSpPr txBox="1">
+            <a:spLocks/>
+          </p:cNvSpPr>
+          <p:nvPr/>
+        </p:nvSpPr>
+        <p:spPr>
+          <a:xfrm>
+            <a:off x="1024128" y="585216"/>
+            <a:ext cx="3133581" cy="1499616"/>
+          </a:xfrm>
+          <a:prstGeom prst="rect">
+            <a:avLst/>
+          </a:prstGeom>
+        </p:spPr>
+        <p:txBody>
+          <a:bodyPr vert="horz" lIns="91440" tIns="45720" rIns="91440" bIns="45720" rtlCol="0" anchor="ctr">
+            <a:normAutofit/>
+          </a:bodyPr>
+          <a:lstStyle>
+            <a:lvl1pPr algn="l" defTabSz="914400" rtl="0" eaLnBrk="1" latinLnBrk="0" hangingPunct="1">
+              <a:lnSpc>
+                <a:spcPct val="80000"/>
+              </a:lnSpc>
+              <a:spcBef>
+                <a:spcPct val="0"/>
+              </a:spcBef>
+              <a:buNone/>
+              <a:defRPr sz="5000" kern="1200" cap="all" spc="100" baseline="0">
+                <a:solidFill>
+                  <a:schemeClr val="tx1">
+                    <a:lumMod val="95000"/>
+                    <a:lumOff val="5000"/>
+                  </a:schemeClr>
+                </a:solidFill>
+                <a:latin typeface="+mj-lt"/>
+                <a:ea typeface="+mj-ea"/>
+                <a:cs typeface="+mj-cs"/>
+              </a:defRPr>
+            </a:lvl1pPr>
+          </a:lstStyle>
+          <a:p>
+            <a:r>
+              <a:rPr lang="en-US" sz="4000"/>
+              <a:t>Distribution of the columns</a:t>
+            </a:r>
+            <a:endParaRPr lang="en-US" sz="4000" dirty="0"/>
+          </a:p>
+        </p:txBody>
+      </p:sp>
+      <p:sp>
+        <p:nvSpPr>
+          <p:cNvPr id="16" name="TextBox 15">
+            <a:extLst>
+              <a:ext uri="{FF2B5EF4-FFF2-40B4-BE49-F238E27FC236}">
+                <a16:creationId xmlns:a16="http://schemas.microsoft.com/office/drawing/2014/main" id="{4CB59FD3-70E2-3E8A-361F-72E9908F5534}"/>
+              </a:ext>
+            </a:extLst>
+          </p:cNvPr>
+          <p:cNvSpPr txBox="1"/>
+          <p:nvPr/>
+        </p:nvSpPr>
+        <p:spPr>
+          <a:xfrm>
+            <a:off x="954071" y="5588880"/>
+            <a:ext cx="6096000" cy="923330"/>
+          </a:xfrm>
+          <a:prstGeom prst="rect">
+            <a:avLst/>
+          </a:prstGeom>
+          <a:noFill/>
+        </p:spPr>
+        <p:txBody>
+          <a:bodyPr wrap="square">
+            <a:spAutoFit/>
+          </a:bodyPr>
+          <a:lstStyle/>
+          <a:p>
+            <a:r>
+              <a:rPr lang="en-US" b="1" dirty="0"/>
+              <a:t>Reference</a:t>
+            </a:r>
+            <a:r>
+              <a:rPr lang="en-US" dirty="0"/>
+              <a:t>: Garcia-Tsao, G., et al. (2017). </a:t>
+            </a:r>
+            <a:r>
+              <a:rPr lang="en-US" i="1" dirty="0"/>
+              <a:t>Portal hypertension and variceal bleeding in cirrhosis: AASLD practice guidance</a:t>
+            </a:r>
+            <a:r>
+              <a:rPr lang="en-US" dirty="0"/>
+              <a:t>. Hepatology, 65(1), 310–335.</a:t>
+            </a:r>
+          </a:p>
+        </p:txBody>
+      </p:sp>
+    </p:spTree>
+    <p:extLst>
+      <p:ext uri="{BB962C8B-B14F-4D97-AF65-F5344CB8AC3E}">
+        <p14:creationId xmlns:p14="http://schemas.microsoft.com/office/powerpoint/2010/main" val="3059857243"/>
+      </p:ext>
+    </p:extLst>
+  </p:cSld>
+  <p:clrMapOvr>
+    <a:masterClrMapping/>
+  </p:clrMapOvr>
+</p:sld>
+</file>
+
+<file path=ppt/slides/slide12.xml><?xml version="1.0" encoding="utf-8"?>
+<p:sld xmlns:a="http://schemas.openxmlformats.org/drawingml/2006/main" xmlns:r="http://schemas.openxmlformats.org/officeDocument/2006/relationships" xmlns:p="http://schemas.openxmlformats.org/presentationml/2006/main">
+  <p:cSld>
+    <p:bg>
+      <p:bgPr>
+        <a:solidFill>
+          <a:schemeClr val="bg1"/>
+        </a:solidFill>
+        <a:effectLst/>
+      </p:bgPr>
+    </p:bg>
+    <p:spTree>
+      <p:nvGrpSpPr>
+        <p:cNvPr id="1" name=""/>
+        <p:cNvGrpSpPr/>
+        <p:nvPr/>
+      </p:nvGrpSpPr>
+      <p:grpSpPr>
+        <a:xfrm>
+          <a:off x="0" y="0"/>
+          <a:ext cx="0" cy="0"/>
+          <a:chOff x="0" y="0"/>
+          <a:chExt cx="0" cy="0"/>
+        </a:xfrm>
+      </p:grpSpPr>
+      <p:sp>
+        <p:nvSpPr>
+          <p:cNvPr id="2" name="Title 1">
+            <a:extLst>
+              <a:ext uri="{FF2B5EF4-FFF2-40B4-BE49-F238E27FC236}">
+                <a16:creationId xmlns:a16="http://schemas.microsoft.com/office/drawing/2014/main" id="{50B2BAFD-925E-279D-D239-94F9383BED3D}"/>
+              </a:ext>
+            </a:extLst>
+          </p:cNvPr>
+          <p:cNvSpPr>
+            <a:spLocks noGrp="1"/>
+          </p:cNvSpPr>
+          <p:nvPr>
+            <p:ph type="title"/>
+          </p:nvPr>
+        </p:nvSpPr>
+        <p:spPr>
+          <a:xfrm>
+            <a:off x="1024128" y="585216"/>
+            <a:ext cx="6066818" cy="1499616"/>
+          </a:xfrm>
+        </p:spPr>
+        <p:txBody>
+          <a:bodyPr>
+            <a:normAutofit/>
+          </a:bodyPr>
+          <a:lstStyle/>
+          <a:p>
+            <a:r>
+              <a:rPr lang="en-US"/>
+              <a:t>Distribution of the columns</a:t>
+            </a:r>
+          </a:p>
+        </p:txBody>
+      </p:sp>
+      <p:sp>
+        <p:nvSpPr>
           <p:cNvPr id="9" name="Content Placeholder 8">
             <a:extLst>
               <a:ext uri="{FF2B5EF4-FFF2-40B4-BE49-F238E27FC236}">
@@ -10294,8 +10924,8 @@
         </p:nvSpPr>
         <p:spPr>
           <a:xfrm>
-            <a:off x="1024128" y="2286000"/>
-            <a:ext cx="3133580" cy="631371"/>
+            <a:off x="1024128" y="2895599"/>
+            <a:ext cx="5071872" cy="2109019"/>
           </a:xfrm>
         </p:spPr>
         <p:txBody>
@@ -10304,9 +10934,23 @@
           </a:bodyPr>
           <a:lstStyle/>
           <a:p>
+            <a:pPr>
+              <a:buFont typeface="Arial" panose="020B0604020202020204" pitchFamily="34" charset="0"/>
+              <a:buChar char="•"/>
+            </a:pPr>
             <a:r>
-              <a:rPr lang="en-US" sz="1600" dirty="0"/>
-              <a:t>Most of the dataset is females that’s a normal conclusion</a:t>
+              <a:rPr lang="en-US" dirty="0"/>
+              <a:t>Most of the dataset is females that’s a normal conclusion.</a:t>
+            </a:r>
+          </a:p>
+          <a:p>
+            <a:pPr>
+              <a:buFont typeface="Arial" panose="020B0604020202020204" pitchFamily="34" charset="0"/>
+              <a:buChar char="•"/>
+            </a:pPr>
+            <a:r>
+              <a:rPr lang="en-US" dirty="0"/>
+              <a:t>The drugs distribution shows that close values between each drug and the stage that means the drug has no effect of having cirrhosis or not.</a:t>
             </a:r>
           </a:p>
         </p:txBody>
@@ -10339,8 +10983,44 @@
         </p:blipFill>
         <p:spPr>
           <a:xfrm>
-            <a:off x="4642342" y="1701606"/>
-            <a:ext cx="6909577" cy="3454788"/>
+            <a:off x="6268066" y="912263"/>
+            <a:ext cx="5756144" cy="2878072"/>
+          </a:xfrm>
+          <a:prstGeom prst="rect">
+            <a:avLst/>
+          </a:prstGeom>
+        </p:spPr>
+      </p:pic>
+      <p:pic>
+        <p:nvPicPr>
+          <p:cNvPr id="4" name="Picture 3" descr="A graph of blue squares&#10;&#10;AI-generated content may be incorrect.">
+            <a:extLst>
+              <a:ext uri="{FF2B5EF4-FFF2-40B4-BE49-F238E27FC236}">
+                <a16:creationId xmlns:a16="http://schemas.microsoft.com/office/drawing/2014/main" id="{8ABE3CE9-C356-FA4D-AC02-9564EFB59ECC}"/>
+              </a:ext>
+            </a:extLst>
+          </p:cNvPr>
+          <p:cNvPicPr>
+            <a:picLocks noChangeAspect="1"/>
+          </p:cNvPicPr>
+          <p:nvPr/>
+        </p:nvPicPr>
+        <p:blipFill>
+          <a:blip r:embed="rId3">
+            <a:extLst>
+              <a:ext uri="{28A0092B-C50C-407E-A947-70E740481C1C}">
+                <a14:useLocalDpi xmlns:a14="http://schemas.microsoft.com/office/drawing/2010/main" val="0"/>
+              </a:ext>
+            </a:extLst>
+          </a:blip>
+          <a:stretch>
+            <a:fillRect/>
+          </a:stretch>
+        </p:blipFill>
+        <p:spPr>
+          <a:xfrm>
+            <a:off x="6208390" y="3825251"/>
+            <a:ext cx="5785982" cy="2574762"/>
           </a:xfrm>
           <a:prstGeom prst="rect">
             <a:avLst/>
@@ -10360,7 +11040,7 @@
 </p:sld>
 </file>
 
-<file path=ppt/slides/slide11.xml><?xml version="1.0" encoding="utf-8"?>
+<file path=ppt/slides/slide13.xml><?xml version="1.0" encoding="utf-8"?>
 <p:sld xmlns:a="http://schemas.openxmlformats.org/drawingml/2006/main" xmlns:r="http://schemas.openxmlformats.org/officeDocument/2006/relationships" xmlns:p="http://schemas.openxmlformats.org/presentationml/2006/main">
   <p:cSld>
     <p:bg>
@@ -10403,7 +11083,7 @@
         </p:nvSpPr>
         <p:spPr>
           <a:xfrm>
-            <a:off x="342485" y="1837112"/>
+            <a:off x="392170" y="2884045"/>
             <a:ext cx="6066818" cy="1936866"/>
           </a:xfrm>
         </p:spPr>
@@ -10534,6 +11214,41 @@
           </a:prstGeom>
         </p:spPr>
       </p:pic>
+      <p:sp>
+        <p:nvSpPr>
+          <p:cNvPr id="2" name="Title 1">
+            <a:extLst>
+              <a:ext uri="{FF2B5EF4-FFF2-40B4-BE49-F238E27FC236}">
+                <a16:creationId xmlns:a16="http://schemas.microsoft.com/office/drawing/2014/main" id="{A758FCA1-D31E-EECF-78F8-56A8E93AC500}"/>
+              </a:ext>
+            </a:extLst>
+          </p:cNvPr>
+          <p:cNvSpPr>
+            <a:spLocks noGrp="1"/>
+          </p:cNvSpPr>
+          <p:nvPr>
+            <p:ph type="title"/>
+          </p:nvPr>
+        </p:nvSpPr>
+        <p:spPr>
+          <a:xfrm>
+            <a:off x="1024128" y="585216"/>
+            <a:ext cx="3133581" cy="1499616"/>
+          </a:xfrm>
+        </p:spPr>
+        <p:txBody>
+          <a:bodyPr>
+            <a:normAutofit/>
+          </a:bodyPr>
+          <a:lstStyle/>
+          <a:p>
+            <a:r>
+              <a:rPr lang="en-US" sz="4000" dirty="0"/>
+              <a:t>Distribution of the columns</a:t>
+            </a:r>
+          </a:p>
+        </p:txBody>
+      </p:sp>
     </p:spTree>
     <p:extLst>
       <p:ext uri="{BB962C8B-B14F-4D97-AF65-F5344CB8AC3E}">
@@ -10547,7 +11262,7 @@
 </p:sld>
 </file>
 
-<file path=ppt/slides/slide12.xml><?xml version="1.0" encoding="utf-8"?>
+<file path=ppt/slides/slide14.xml><?xml version="1.0" encoding="utf-8"?>
 <p:sld xmlns:a="http://schemas.openxmlformats.org/drawingml/2006/main" xmlns:r="http://schemas.openxmlformats.org/officeDocument/2006/relationships" xmlns:p="http://schemas.openxmlformats.org/presentationml/2006/main">
   <p:cSld>
     <p:bg>
@@ -10574,10 +11289,46 @@
       </p:grpSpPr>
       <p:sp>
         <p:nvSpPr>
+          <p:cNvPr id="2" name="Title 1">
+            <a:extLst>
+              <a:ext uri="{FF2B5EF4-FFF2-40B4-BE49-F238E27FC236}">
+                <a16:creationId xmlns:a16="http://schemas.microsoft.com/office/drawing/2014/main" id="{8C998DAE-99AB-BD26-8D90-63AFFBF27835}"/>
+              </a:ext>
+            </a:extLst>
+          </p:cNvPr>
+          <p:cNvSpPr>
+            <a:spLocks noGrp="1"/>
+          </p:cNvSpPr>
+          <p:nvPr>
+            <p:ph type="title"/>
+          </p:nvPr>
+        </p:nvSpPr>
+        <p:spPr>
+          <a:xfrm>
+            <a:off x="1024128" y="585216"/>
+            <a:ext cx="3133581" cy="1499616"/>
+          </a:xfrm>
+        </p:spPr>
+        <p:txBody>
+          <a:bodyPr>
+            <a:normAutofit/>
+          </a:bodyPr>
+          <a:lstStyle/>
+          <a:p>
+            <a:r>
+              <a:rPr lang="en-US" sz="4000"/>
+              <a:t>Distribution of the columns</a:t>
+            </a:r>
+            <a:endParaRPr lang="en-US" sz="4000" dirty="0"/>
+          </a:p>
+        </p:txBody>
+      </p:sp>
+      <p:sp>
+        <p:nvSpPr>
           <p:cNvPr id="9" name="Content Placeholder 8">
             <a:extLst>
               <a:ext uri="{FF2B5EF4-FFF2-40B4-BE49-F238E27FC236}">
-                <a16:creationId xmlns:a16="http://schemas.microsoft.com/office/drawing/2014/main" id="{DF6D899B-099B-B1D0-21F4-26016C828D26}"/>
+                <a16:creationId xmlns:a16="http://schemas.microsoft.com/office/drawing/2014/main" id="{1DEE65D6-9B0A-33FE-BB19-D8213E23EE10}"/>
               </a:ext>
             </a:extLst>
           </p:cNvPr>
@@ -10590,63 +11341,53 @@
         </p:nvSpPr>
         <p:spPr>
           <a:xfrm>
-            <a:off x="1024128" y="4588624"/>
-            <a:ext cx="10680192" cy="1629295"/>
+            <a:off x="1024128" y="2286000"/>
+            <a:ext cx="3133580" cy="3931920"/>
           </a:xfrm>
         </p:spPr>
         <p:txBody>
           <a:bodyPr>
-            <a:normAutofit lnSpcReduction="10000"/>
+            <a:normAutofit/>
           </a:bodyPr>
           <a:lstStyle/>
           <a:p>
-            <a:pPr>
-              <a:buFont typeface="Arial" panose="020B0604020202020204" pitchFamily="34" charset="0"/>
-              <a:buChar char="•"/>
-            </a:pPr>
             <a:r>
-              <a:rPr lang="en-US" sz="2000" dirty="0"/>
-              <a:t>The probability of survive based on the stage</a:t>
+              <a:rPr lang="en-US" sz="1600" dirty="0"/>
+              <a:t>The class cl has lower distribution that could make the model ignored it or predicted wrong</a:t>
             </a:r>
           </a:p>
           <a:p>
-            <a:pPr>
-              <a:buFont typeface="Arial" panose="020B0604020202020204" pitchFamily="34" charset="0"/>
-              <a:buChar char="•"/>
-            </a:pPr>
             <a:r>
-              <a:rPr lang="en-US" sz="2000" dirty="0"/>
-              <a:t>Patients in stage 3 unfortunately his liver condition is deteriorating rapidly.</a:t>
+              <a:rPr lang="en-US" sz="1600" dirty="0"/>
+              <a:t>But most of the patient in class C are in stage 3 then 2 then 4</a:t>
             </a:r>
           </a:p>
           <a:p>
-            <a:pPr>
-              <a:buFont typeface="Arial" panose="020B0604020202020204" pitchFamily="34" charset="0"/>
-              <a:buChar char="•"/>
-            </a:pPr>
             <a:r>
-              <a:rPr lang="en-US" sz="2000" dirty="0"/>
-              <a:t>Patients in stage 1 are more lucky has higher survive probability </a:t>
+              <a:rPr lang="en-US" sz="1600" dirty="0"/>
+              <a:t>On other hand in class D most of the patient in stage 4 then 3 then 2, but 1 has lower values that means most of patients at stage 1 this condition not critical to death</a:t>
             </a:r>
           </a:p>
           <a:p>
-            <a:pPr>
-              <a:buFont typeface="Arial" panose="020B0604020202020204" pitchFamily="34" charset="0"/>
-              <a:buChar char="•"/>
-            </a:pPr>
             <a:r>
-              <a:rPr lang="en-US" sz="2000" dirty="0"/>
-              <a:t>Stage 2 patients if they diagnosed early could have better chance of survive</a:t>
+              <a:rPr lang="en-US" sz="1600" dirty="0"/>
+              <a:t>However class cl the most is 3 then 4 then 2</a:t>
+            </a:r>
+          </a:p>
+          <a:p>
+            <a:r>
+              <a:rPr lang="en-US" sz="1600" dirty="0"/>
+              <a:t>We can say the patient in class c has higher probability of survive</a:t>
             </a:r>
           </a:p>
         </p:txBody>
       </p:sp>
       <p:pic>
         <p:nvPicPr>
-          <p:cNvPr id="5" name="Content Placeholder 4" descr="A graph showing the value of a stock market&#10;&#10;AI-generated content may be incorrect.">
+          <p:cNvPr id="4" name="Picture 3" descr="A graph with blue squares&#10;&#10;AI-generated content may be incorrect.">
             <a:extLst>
               <a:ext uri="{FF2B5EF4-FFF2-40B4-BE49-F238E27FC236}">
-                <a16:creationId xmlns:a16="http://schemas.microsoft.com/office/drawing/2014/main" id="{6335EA20-19C6-DD46-7494-D3853AC1AF9D}"/>
+                <a16:creationId xmlns:a16="http://schemas.microsoft.com/office/drawing/2014/main" id="{BD823BA7-5681-D169-F3F2-BF2EB807FED7}"/>
               </a:ext>
             </a:extLst>
           </p:cNvPr>
@@ -10669,141 +11410,8 @@
         </p:blipFill>
         <p:spPr>
           <a:xfrm>
-            <a:off x="101714" y="418231"/>
-            <a:ext cx="12042528" cy="4004140"/>
-          </a:xfrm>
-          <a:prstGeom prst="rect">
-            <a:avLst/>
-          </a:prstGeom>
-        </p:spPr>
-      </p:pic>
-    </p:spTree>
-    <p:extLst>
-      <p:ext uri="{BB962C8B-B14F-4D97-AF65-F5344CB8AC3E}">
-        <p14:creationId xmlns:p14="http://schemas.microsoft.com/office/powerpoint/2010/main" val="1737834382"/>
-      </p:ext>
-    </p:extLst>
-  </p:cSld>
-  <p:clrMapOvr>
-    <a:masterClrMapping/>
-  </p:clrMapOvr>
-</p:sld>
-</file>
-
-<file path=ppt/slides/slide13.xml><?xml version="1.0" encoding="utf-8"?>
-<p:sld xmlns:a="http://schemas.openxmlformats.org/drawingml/2006/main" xmlns:r="http://schemas.openxmlformats.org/officeDocument/2006/relationships" xmlns:p="http://schemas.openxmlformats.org/presentationml/2006/main">
-  <p:cSld>
-    <p:bg>
-      <p:bgPr>
-        <a:solidFill>
-          <a:schemeClr val="bg1"/>
-        </a:solidFill>
-        <a:effectLst/>
-      </p:bgPr>
-    </p:bg>
-    <p:spTree>
-      <p:nvGrpSpPr>
-        <p:cNvPr id="1" name=""/>
-        <p:cNvGrpSpPr/>
-        <p:nvPr/>
-      </p:nvGrpSpPr>
-      <p:grpSpPr>
-        <a:xfrm>
-          <a:off x="0" y="0"/>
-          <a:ext cx="0" cy="0"/>
-          <a:chOff x="0" y="0"/>
-          <a:chExt cx="0" cy="0"/>
-        </a:xfrm>
-      </p:grpSpPr>
-      <p:sp>
-        <p:nvSpPr>
-          <p:cNvPr id="9" name="Content Placeholder 8">
-            <a:extLst>
-              <a:ext uri="{FF2B5EF4-FFF2-40B4-BE49-F238E27FC236}">
-                <a16:creationId xmlns:a16="http://schemas.microsoft.com/office/drawing/2014/main" id="{1DEE65D6-9B0A-33FE-BB19-D8213E23EE10}"/>
-              </a:ext>
-            </a:extLst>
-          </p:cNvPr>
-          <p:cNvSpPr>
-            <a:spLocks noGrp="1"/>
-          </p:cNvSpPr>
-          <p:nvPr>
-            <p:ph idx="1"/>
-          </p:nvPr>
-        </p:nvSpPr>
-        <p:spPr>
-          <a:xfrm>
-            <a:off x="1024128" y="2286000"/>
-            <a:ext cx="3133580" cy="3886200"/>
-          </a:xfrm>
-        </p:spPr>
-        <p:txBody>
-          <a:bodyPr>
-            <a:normAutofit/>
-          </a:bodyPr>
-          <a:lstStyle/>
-          <a:p>
-            <a:r>
-              <a:rPr lang="en-US" sz="1600" dirty="0"/>
-              <a:t>The class cl has lower distribution that could make the model ignored it or predicted wrong</a:t>
-            </a:r>
-          </a:p>
-          <a:p>
-            <a:r>
-              <a:rPr lang="en-US" sz="1600" dirty="0"/>
-              <a:t>But most of the patient in class C are in stage 1 then 2 then 3</a:t>
-            </a:r>
-          </a:p>
-          <a:p>
-            <a:r>
-              <a:rPr lang="en-US" sz="1600" dirty="0"/>
-              <a:t>On other hand in class D most of the patient in stage 3 then 2 then 1</a:t>
-            </a:r>
-          </a:p>
-          <a:p>
-            <a:r>
-              <a:rPr lang="en-US" sz="1600" dirty="0"/>
-              <a:t>However class cl the most is 2 then 3 then 1</a:t>
-            </a:r>
-          </a:p>
-          <a:p>
-            <a:r>
-              <a:rPr lang="en-US" sz="1600" dirty="0"/>
-              <a:t>We can say the patient in class c has higher probability of survive</a:t>
-            </a:r>
-          </a:p>
-        </p:txBody>
-      </p:sp>
-      <p:pic>
-        <p:nvPicPr>
-          <p:cNvPr id="5" name="Content Placeholder 4" descr="A graph showing the amount of blue bars&#10;&#10;AI-generated content may be incorrect.">
-            <a:extLst>
-              <a:ext uri="{FF2B5EF4-FFF2-40B4-BE49-F238E27FC236}">
-                <a16:creationId xmlns:a16="http://schemas.microsoft.com/office/drawing/2014/main" id="{54E80721-0AC5-E77A-CAE7-BFB8FF974EFB}"/>
-              </a:ext>
-            </a:extLst>
-          </p:cNvPr>
-          <p:cNvPicPr>
-            <a:picLocks noChangeAspect="1"/>
-          </p:cNvPicPr>
-          <p:nvPr/>
-        </p:nvPicPr>
-        <p:blipFill>
-          <a:blip r:embed="rId2">
-            <a:extLst>
-              <a:ext uri="{28A0092B-C50C-407E-A947-70E740481C1C}">
-                <a14:useLocalDpi xmlns:a14="http://schemas.microsoft.com/office/drawing/2010/main" val="0"/>
-              </a:ext>
-            </a:extLst>
-          </a:blip>
-          <a:stretch>
-            <a:fillRect/>
-          </a:stretch>
-        </p:blipFill>
-        <p:spPr>
-          <a:xfrm>
-            <a:off x="4642342" y="1701606"/>
-            <a:ext cx="6909577" cy="3454788"/>
+            <a:off x="4642342" y="1891619"/>
+            <a:ext cx="6909577" cy="3074762"/>
           </a:xfrm>
           <a:prstGeom prst="rect">
             <a:avLst/>
@@ -10823,7 +11431,7 @@
 </p:sld>
 </file>
 
-<file path=ppt/slides/slide14.xml><?xml version="1.0" encoding="utf-8"?>
+<file path=ppt/slides/slide15.xml><?xml version="1.0" encoding="utf-8"?>
 <p:sld xmlns:a="http://schemas.openxmlformats.org/drawingml/2006/main" xmlns:r="http://schemas.openxmlformats.org/officeDocument/2006/relationships" xmlns:p="http://schemas.openxmlformats.org/presentationml/2006/main">
   <p:cSld>
     <p:bg>
@@ -10959,6 +11567,41 @@
           </a:prstGeom>
         </p:spPr>
       </p:pic>
+      <p:sp>
+        <p:nvSpPr>
+          <p:cNvPr id="2" name="Title 1">
+            <a:extLst>
+              <a:ext uri="{FF2B5EF4-FFF2-40B4-BE49-F238E27FC236}">
+                <a16:creationId xmlns:a16="http://schemas.microsoft.com/office/drawing/2014/main" id="{227C8AE6-B14F-D9CB-2E3D-B0C052D0345B}"/>
+              </a:ext>
+            </a:extLst>
+          </p:cNvPr>
+          <p:cNvSpPr>
+            <a:spLocks noGrp="1"/>
+          </p:cNvSpPr>
+          <p:nvPr>
+            <p:ph type="title"/>
+          </p:nvPr>
+        </p:nvSpPr>
+        <p:spPr>
+          <a:xfrm>
+            <a:off x="1024128" y="585216"/>
+            <a:ext cx="3133581" cy="1499616"/>
+          </a:xfrm>
+        </p:spPr>
+        <p:txBody>
+          <a:bodyPr>
+            <a:normAutofit/>
+          </a:bodyPr>
+          <a:lstStyle/>
+          <a:p>
+            <a:r>
+              <a:rPr lang="en-US" sz="4000" dirty="0"/>
+              <a:t>survival probability</a:t>
+            </a:r>
+          </a:p>
+        </p:txBody>
+      </p:sp>
     </p:spTree>
     <p:extLst>
       <p:ext uri="{BB962C8B-B14F-4D97-AF65-F5344CB8AC3E}">
@@ -10972,7 +11615,346 @@
 </p:sld>
 </file>
 
-<file path=ppt/slides/slide15.xml><?xml version="1.0" encoding="utf-8"?>
+<file path=ppt/slides/slide16.xml><?xml version="1.0" encoding="utf-8"?>
+<p:sld xmlns:a="http://schemas.openxmlformats.org/drawingml/2006/main" xmlns:r="http://schemas.openxmlformats.org/officeDocument/2006/relationships" xmlns:p="http://schemas.openxmlformats.org/presentationml/2006/main">
+  <p:cSld>
+    <p:bg>
+      <p:bgPr>
+        <a:solidFill>
+          <a:schemeClr val="bg1"/>
+        </a:solidFill>
+        <a:effectLst/>
+      </p:bgPr>
+    </p:bg>
+    <p:spTree>
+      <p:nvGrpSpPr>
+        <p:cNvPr id="1" name=""/>
+        <p:cNvGrpSpPr/>
+        <p:nvPr/>
+      </p:nvGrpSpPr>
+      <p:grpSpPr>
+        <a:xfrm>
+          <a:off x="0" y="0"/>
+          <a:ext cx="0" cy="0"/>
+          <a:chOff x="0" y="0"/>
+          <a:chExt cx="0" cy="0"/>
+        </a:xfrm>
+      </p:grpSpPr>
+      <p:sp>
+        <p:nvSpPr>
+          <p:cNvPr id="2" name="Title 1">
+            <a:extLst>
+              <a:ext uri="{FF2B5EF4-FFF2-40B4-BE49-F238E27FC236}">
+                <a16:creationId xmlns:a16="http://schemas.microsoft.com/office/drawing/2014/main" id="{8F6B2357-5290-5CAB-0C6D-4D2FDFEC5CAC}"/>
+              </a:ext>
+            </a:extLst>
+          </p:cNvPr>
+          <p:cNvSpPr>
+            <a:spLocks noGrp="1"/>
+          </p:cNvSpPr>
+          <p:nvPr>
+            <p:ph type="title"/>
+          </p:nvPr>
+        </p:nvSpPr>
+        <p:spPr>
+          <a:xfrm>
+            <a:off x="1024128" y="585216"/>
+            <a:ext cx="3488878" cy="1499616"/>
+          </a:xfrm>
+        </p:spPr>
+        <p:txBody>
+          <a:bodyPr>
+            <a:normAutofit/>
+          </a:bodyPr>
+          <a:lstStyle/>
+          <a:p>
+            <a:r>
+              <a:rPr lang="en-US" sz="4000" dirty="0"/>
+              <a:t>survival probability</a:t>
+            </a:r>
+          </a:p>
+        </p:txBody>
+      </p:sp>
+      <p:sp>
+        <p:nvSpPr>
+          <p:cNvPr id="3" name="Content Placeholder 2">
+            <a:extLst>
+              <a:ext uri="{FF2B5EF4-FFF2-40B4-BE49-F238E27FC236}">
+                <a16:creationId xmlns:a16="http://schemas.microsoft.com/office/drawing/2014/main" id="{3A2D1B4B-EEC6-3899-7820-46B2CFDAF198}"/>
+              </a:ext>
+            </a:extLst>
+          </p:cNvPr>
+          <p:cNvSpPr>
+            <a:spLocks noGrp="1"/>
+          </p:cNvSpPr>
+          <p:nvPr>
+            <p:ph idx="1"/>
+          </p:nvPr>
+        </p:nvSpPr>
+        <p:spPr>
+          <a:xfrm>
+            <a:off x="1024127" y="2286000"/>
+            <a:ext cx="10046995" cy="1143000"/>
+          </a:xfrm>
+        </p:spPr>
+        <p:txBody>
+          <a:bodyPr>
+            <a:normAutofit/>
+          </a:bodyPr>
+          <a:lstStyle/>
+          <a:p>
+            <a:r>
+              <a:rPr lang="en-US" sz="1600" dirty="0"/>
+              <a:t>The longer the patient stays in the hospital the more likely will not survive</a:t>
+            </a:r>
+          </a:p>
+        </p:txBody>
+      </p:sp>
+      <p:pic>
+        <p:nvPicPr>
+          <p:cNvPr id="5" name="Picture 4" descr="A graph with a line&#10;&#10;AI-generated content may be incorrect.">
+            <a:extLst>
+              <a:ext uri="{FF2B5EF4-FFF2-40B4-BE49-F238E27FC236}">
+                <a16:creationId xmlns:a16="http://schemas.microsoft.com/office/drawing/2014/main" id="{DECCBA28-F410-7D1D-EBC1-BE674AB6CA78}"/>
+              </a:ext>
+            </a:extLst>
+          </p:cNvPr>
+          <p:cNvPicPr>
+            <a:picLocks noChangeAspect="1"/>
+          </p:cNvPicPr>
+          <p:nvPr/>
+        </p:nvPicPr>
+        <p:blipFill>
+          <a:blip r:embed="rId2">
+            <a:extLst>
+              <a:ext uri="{28A0092B-C50C-407E-A947-70E740481C1C}">
+                <a14:useLocalDpi xmlns:a14="http://schemas.microsoft.com/office/drawing/2010/main" val="0"/>
+              </a:ext>
+            </a:extLst>
+          </a:blip>
+          <a:stretch>
+            <a:fillRect/>
+          </a:stretch>
+        </p:blipFill>
+        <p:spPr>
+          <a:xfrm>
+            <a:off x="707922" y="3429000"/>
+            <a:ext cx="10283559" cy="3419283"/>
+          </a:xfrm>
+          <a:prstGeom prst="rect">
+            <a:avLst/>
+          </a:prstGeom>
+        </p:spPr>
+      </p:pic>
+    </p:spTree>
+    <p:extLst>
+      <p:ext uri="{BB962C8B-B14F-4D97-AF65-F5344CB8AC3E}">
+        <p14:creationId xmlns:p14="http://schemas.microsoft.com/office/powerpoint/2010/main" val="2413984510"/>
+      </p:ext>
+    </p:extLst>
+  </p:cSld>
+  <p:clrMapOvr>
+    <a:masterClrMapping/>
+  </p:clrMapOvr>
+</p:sld>
+</file>
+
+<file path=ppt/slides/slide17.xml><?xml version="1.0" encoding="utf-8"?>
+<p:sld xmlns:a="http://schemas.openxmlformats.org/drawingml/2006/main" xmlns:r="http://schemas.openxmlformats.org/officeDocument/2006/relationships" xmlns:p="http://schemas.openxmlformats.org/presentationml/2006/main">
+  <p:cSld>
+    <p:bg>
+      <p:bgPr>
+        <a:solidFill>
+          <a:schemeClr val="bg1"/>
+        </a:solidFill>
+        <a:effectLst/>
+      </p:bgPr>
+    </p:bg>
+    <p:spTree>
+      <p:nvGrpSpPr>
+        <p:cNvPr id="1" name=""/>
+        <p:cNvGrpSpPr/>
+        <p:nvPr/>
+      </p:nvGrpSpPr>
+      <p:grpSpPr>
+        <a:xfrm>
+          <a:off x="0" y="0"/>
+          <a:ext cx="0" cy="0"/>
+          <a:chOff x="0" y="0"/>
+          <a:chExt cx="0" cy="0"/>
+        </a:xfrm>
+      </p:grpSpPr>
+      <p:sp>
+        <p:nvSpPr>
+          <p:cNvPr id="6" name="Title 1">
+            <a:extLst>
+              <a:ext uri="{FF2B5EF4-FFF2-40B4-BE49-F238E27FC236}">
+                <a16:creationId xmlns:a16="http://schemas.microsoft.com/office/drawing/2014/main" id="{D777C22D-7CD4-F039-37BE-C7A642E2D7DB}"/>
+              </a:ext>
+            </a:extLst>
+          </p:cNvPr>
+          <p:cNvSpPr txBox="1">
+            <a:spLocks/>
+          </p:cNvSpPr>
+          <p:nvPr/>
+        </p:nvSpPr>
+        <p:spPr>
+          <a:xfrm>
+            <a:off x="1024128" y="585216"/>
+            <a:ext cx="3133581" cy="1499616"/>
+          </a:xfrm>
+          <a:prstGeom prst="rect">
+            <a:avLst/>
+          </a:prstGeom>
+        </p:spPr>
+        <p:txBody>
+          <a:bodyPr vert="horz" lIns="91440" tIns="45720" rIns="91440" bIns="45720" rtlCol="0" anchor="ctr">
+            <a:normAutofit/>
+          </a:bodyPr>
+          <a:lstStyle>
+            <a:lvl1pPr algn="l" defTabSz="914400" rtl="0" eaLnBrk="1" latinLnBrk="0" hangingPunct="1">
+              <a:lnSpc>
+                <a:spcPct val="80000"/>
+              </a:lnSpc>
+              <a:spcBef>
+                <a:spcPct val="0"/>
+              </a:spcBef>
+              <a:buNone/>
+              <a:defRPr sz="5000" kern="1200" cap="all" spc="100" baseline="0">
+                <a:solidFill>
+                  <a:schemeClr val="tx1">
+                    <a:lumMod val="95000"/>
+                    <a:lumOff val="5000"/>
+                  </a:schemeClr>
+                </a:solidFill>
+                <a:latin typeface="+mj-lt"/>
+                <a:ea typeface="+mj-ea"/>
+                <a:cs typeface="+mj-cs"/>
+              </a:defRPr>
+            </a:lvl1pPr>
+          </a:lstStyle>
+          <a:p>
+            <a:pPr>
+              <a:spcAft>
+                <a:spcPts val="600"/>
+              </a:spcAft>
+            </a:pPr>
+            <a:r>
+              <a:rPr lang="en-US" sz="4000"/>
+              <a:t>Death probability</a:t>
+            </a:r>
+          </a:p>
+        </p:txBody>
+      </p:sp>
+      <p:sp>
+        <p:nvSpPr>
+          <p:cNvPr id="3" name="Content Placeholder 2">
+            <a:extLst>
+              <a:ext uri="{FF2B5EF4-FFF2-40B4-BE49-F238E27FC236}">
+                <a16:creationId xmlns:a16="http://schemas.microsoft.com/office/drawing/2014/main" id="{6DD3CDDF-E7D8-8B7F-A5B7-AB1782BFEC62}"/>
+              </a:ext>
+            </a:extLst>
+          </p:cNvPr>
+          <p:cNvSpPr>
+            <a:spLocks noGrp="1"/>
+          </p:cNvSpPr>
+          <p:nvPr>
+            <p:ph idx="1"/>
+          </p:nvPr>
+        </p:nvSpPr>
+        <p:spPr>
+          <a:xfrm>
+            <a:off x="1024128" y="2286000"/>
+            <a:ext cx="3133580" cy="3931920"/>
+          </a:xfrm>
+        </p:spPr>
+        <p:txBody>
+          <a:bodyPr vert="horz" lIns="45720" tIns="45720" rIns="45720" bIns="45720" rtlCol="0">
+            <a:normAutofit/>
+          </a:bodyPr>
+          <a:lstStyle/>
+          <a:p>
+            <a:pPr>
+              <a:buFont typeface="Arial" panose="020B0604020202020204" pitchFamily="34" charset="0"/>
+              <a:buChar char="•"/>
+            </a:pPr>
+            <a:r>
+              <a:rPr lang="en-US" sz="1600"/>
+              <a:t>Level 1 has higher chances of survival</a:t>
+            </a:r>
+          </a:p>
+          <a:p>
+            <a:pPr>
+              <a:buFont typeface="Arial" panose="020B0604020202020204" pitchFamily="34" charset="0"/>
+              <a:buChar char="•"/>
+            </a:pPr>
+            <a:r>
+              <a:rPr lang="en-US" sz="1600"/>
+              <a:t>Level 2 and 3 the chances gets better when he/she get diagnosed early, level 2 has no critical issues until 2500 day then his chances gets lower, but level 3 not that lucky he has until 2000 days this the condition drops quickly.</a:t>
+            </a:r>
+          </a:p>
+          <a:p>
+            <a:pPr>
+              <a:buFont typeface="Arial" panose="020B0604020202020204" pitchFamily="34" charset="0"/>
+              <a:buChar char="•"/>
+            </a:pPr>
+            <a:r>
+              <a:rPr lang="en-US" sz="1600"/>
+              <a:t>Level 4 his condition gets critical early and his survival chances not that high</a:t>
+            </a:r>
+          </a:p>
+        </p:txBody>
+      </p:sp>
+      <p:pic>
+        <p:nvPicPr>
+          <p:cNvPr id="10" name="Picture 9" descr="A graph with different colored lines&#10;&#10;AI-generated content may be incorrect.">
+            <a:extLst>
+              <a:ext uri="{FF2B5EF4-FFF2-40B4-BE49-F238E27FC236}">
+                <a16:creationId xmlns:a16="http://schemas.microsoft.com/office/drawing/2014/main" id="{79627267-C27B-BFB5-89D3-3BC7D7FABEFE}"/>
+              </a:ext>
+            </a:extLst>
+          </p:cNvPr>
+          <p:cNvPicPr>
+            <a:picLocks noChangeAspect="1"/>
+          </p:cNvPicPr>
+          <p:nvPr/>
+        </p:nvPicPr>
+        <p:blipFill>
+          <a:blip r:embed="rId2">
+            <a:extLst>
+              <a:ext uri="{28A0092B-C50C-407E-A947-70E740481C1C}">
+                <a14:useLocalDpi xmlns:a14="http://schemas.microsoft.com/office/drawing/2010/main" val="0"/>
+              </a:ext>
+            </a:extLst>
+          </a:blip>
+          <a:stretch>
+            <a:fillRect/>
+          </a:stretch>
+        </p:blipFill>
+        <p:spPr>
+          <a:xfrm>
+            <a:off x="4157708" y="2254698"/>
+            <a:ext cx="7944817" cy="2800546"/>
+          </a:xfrm>
+          <a:prstGeom prst="rect">
+            <a:avLst/>
+          </a:prstGeom>
+        </p:spPr>
+      </p:pic>
+    </p:spTree>
+    <p:extLst>
+      <p:ext uri="{BB962C8B-B14F-4D97-AF65-F5344CB8AC3E}">
+        <p14:creationId xmlns:p14="http://schemas.microsoft.com/office/powerpoint/2010/main" val="251040911"/>
+      </p:ext>
+    </p:extLst>
+  </p:cSld>
+  <p:clrMapOvr>
+    <a:masterClrMapping/>
+  </p:clrMapOvr>
+</p:sld>
+</file>
+
+<file path=ppt/slides/slide18.xml><?xml version="1.0" encoding="utf-8"?>
 <p:sld xmlns:a="http://schemas.openxmlformats.org/drawingml/2006/main" xmlns:r="http://schemas.openxmlformats.org/officeDocument/2006/relationships" xmlns:p="http://schemas.openxmlformats.org/presentationml/2006/main">
   <p:cSld>
     <p:bg>
@@ -11015,7 +11997,7 @@
         </p:nvSpPr>
         <p:spPr>
           <a:xfrm>
-            <a:off x="1024128" y="4038600"/>
+            <a:off x="1220774" y="6339349"/>
             <a:ext cx="9821672" cy="2179320"/>
           </a:xfrm>
         </p:spPr>
@@ -11064,7 +12046,7 @@
         </p:blipFill>
         <p:spPr>
           <a:xfrm>
-            <a:off x="273542" y="186793"/>
+            <a:off x="470188" y="2487542"/>
             <a:ext cx="11105658" cy="3692631"/>
           </a:xfrm>
           <a:prstGeom prst="rect">
@@ -11072,6 +12054,41 @@
           </a:prstGeom>
         </p:spPr>
       </p:pic>
+      <p:sp>
+        <p:nvSpPr>
+          <p:cNvPr id="2" name="Title 1">
+            <a:extLst>
+              <a:ext uri="{FF2B5EF4-FFF2-40B4-BE49-F238E27FC236}">
+                <a16:creationId xmlns:a16="http://schemas.microsoft.com/office/drawing/2014/main" id="{38BCA54F-A1E7-9D33-3AE5-BF0DD9A76C51}"/>
+              </a:ext>
+            </a:extLst>
+          </p:cNvPr>
+          <p:cNvSpPr>
+            <a:spLocks noGrp="1"/>
+          </p:cNvSpPr>
+          <p:nvPr>
+            <p:ph type="title"/>
+          </p:nvPr>
+        </p:nvSpPr>
+        <p:spPr>
+          <a:xfrm>
+            <a:off x="1024128" y="585216"/>
+            <a:ext cx="3488878" cy="1499616"/>
+          </a:xfrm>
+        </p:spPr>
+        <p:txBody>
+          <a:bodyPr>
+            <a:normAutofit/>
+          </a:bodyPr>
+          <a:lstStyle/>
+          <a:p>
+            <a:r>
+              <a:rPr lang="en-US" sz="4000" dirty="0"/>
+              <a:t>survival probability</a:t>
+            </a:r>
+          </a:p>
+        </p:txBody>
+      </p:sp>
     </p:spTree>
     <p:extLst>
       <p:ext uri="{BB962C8B-B14F-4D97-AF65-F5344CB8AC3E}">
@@ -11085,312 +12102,7 @@
 </p:sld>
 </file>
 
-<file path=ppt/slides/slide16.xml><?xml version="1.0" encoding="utf-8"?>
-<p:sld xmlns:a="http://schemas.openxmlformats.org/drawingml/2006/main" xmlns:r="http://schemas.openxmlformats.org/officeDocument/2006/relationships" xmlns:p="http://schemas.openxmlformats.org/presentationml/2006/main">
-  <p:cSld>
-    <p:bg>
-      <p:bgPr>
-        <a:solidFill>
-          <a:schemeClr val="bg1"/>
-        </a:solidFill>
-        <a:effectLst/>
-      </p:bgPr>
-    </p:bg>
-    <p:spTree>
-      <p:nvGrpSpPr>
-        <p:cNvPr id="1" name=""/>
-        <p:cNvGrpSpPr/>
-        <p:nvPr/>
-      </p:nvGrpSpPr>
-      <p:grpSpPr>
-        <a:xfrm>
-          <a:off x="0" y="0"/>
-          <a:ext cx="0" cy="0"/>
-          <a:chOff x="0" y="0"/>
-          <a:chExt cx="0" cy="0"/>
-        </a:xfrm>
-      </p:grpSpPr>
-      <p:sp>
-        <p:nvSpPr>
-          <p:cNvPr id="13" name="Content Placeholder 12">
-            <a:extLst>
-              <a:ext uri="{FF2B5EF4-FFF2-40B4-BE49-F238E27FC236}">
-                <a16:creationId xmlns:a16="http://schemas.microsoft.com/office/drawing/2014/main" id="{23A3C79D-D740-74DE-0B51-EE7D1EFD7FFE}"/>
-              </a:ext>
-            </a:extLst>
-          </p:cNvPr>
-          <p:cNvSpPr>
-            <a:spLocks noGrp="1"/>
-          </p:cNvSpPr>
-          <p:nvPr>
-            <p:ph idx="1"/>
-          </p:nvPr>
-        </p:nvSpPr>
-        <p:spPr>
-          <a:xfrm>
-            <a:off x="1024128" y="2286000"/>
-            <a:ext cx="5583863" cy="4023360"/>
-          </a:xfrm>
-        </p:spPr>
-        <p:txBody>
-          <a:bodyPr>
-            <a:normAutofit/>
-          </a:bodyPr>
-          <a:lstStyle/>
-          <a:p>
-            <a:pPr>
-              <a:buFont typeface="Arial" panose="020B0604020202020204" pitchFamily="34" charset="0"/>
-              <a:buChar char="•"/>
-            </a:pPr>
-            <a:r>
-              <a:rPr lang="en-US" dirty="0"/>
-              <a:t>The diagnoses of status 3 is spider </a:t>
-            </a:r>
-            <a:r>
-              <a:rPr lang="en-US" dirty="0" err="1"/>
-              <a:t>vains</a:t>
-            </a:r>
-            <a:endParaRPr lang="en-US" dirty="0"/>
-          </a:p>
-          <a:p>
-            <a:pPr>
-              <a:buFont typeface="Arial" panose="020B0604020202020204" pitchFamily="34" charset="0"/>
-              <a:buChar char="•"/>
-            </a:pPr>
-            <a:r>
-              <a:rPr lang="en-US" dirty="0"/>
-              <a:t>If the patient stated to notice a </a:t>
-            </a:r>
-            <a:r>
-              <a:rPr lang="en-US" dirty="0" err="1"/>
-              <a:t>vaues</a:t>
-            </a:r>
-            <a:r>
-              <a:rPr lang="en-US" dirty="0"/>
-              <a:t> that’s mean he is stage 2</a:t>
-            </a:r>
-          </a:p>
-          <a:p>
-            <a:pPr>
-              <a:buFont typeface="Arial" panose="020B0604020202020204" pitchFamily="34" charset="0"/>
-              <a:buChar char="•"/>
-            </a:pPr>
-            <a:r>
-              <a:rPr lang="en-US" dirty="0"/>
-              <a:t>Stage 1 doesn’t appear most likely</a:t>
-            </a:r>
-          </a:p>
-        </p:txBody>
-      </p:sp>
-      <p:pic>
-        <p:nvPicPr>
-          <p:cNvPr id="7" name="Content Placeholder 6" descr="A graph showing the status of a number of people&#10;&#10;AI-generated content may be incorrect.">
-            <a:extLst>
-              <a:ext uri="{FF2B5EF4-FFF2-40B4-BE49-F238E27FC236}">
-                <a16:creationId xmlns:a16="http://schemas.microsoft.com/office/drawing/2014/main" id="{1586437D-F4E9-EA95-8F48-975A0DC5871E}"/>
-              </a:ext>
-            </a:extLst>
-          </p:cNvPr>
-          <p:cNvPicPr>
-            <a:picLocks noChangeAspect="1"/>
-          </p:cNvPicPr>
-          <p:nvPr/>
-        </p:nvPicPr>
-        <p:blipFill>
-          <a:blip r:embed="rId2">
-            <a:extLst>
-              <a:ext uri="{28A0092B-C50C-407E-A947-70E740481C1C}">
-                <a14:useLocalDpi xmlns:a14="http://schemas.microsoft.com/office/drawing/2010/main" val="0"/>
-              </a:ext>
-            </a:extLst>
-          </a:blip>
-          <a:stretch>
-            <a:fillRect/>
-          </a:stretch>
-        </p:blipFill>
-        <p:spPr>
-          <a:xfrm>
-            <a:off x="6607991" y="1086877"/>
-            <a:ext cx="5272074" cy="2636037"/>
-          </a:xfrm>
-          <a:prstGeom prst="rect">
-            <a:avLst/>
-          </a:prstGeom>
-        </p:spPr>
-      </p:pic>
-      <p:pic>
-        <p:nvPicPr>
-          <p:cNvPr id="9" name="Picture 8" descr="A graph of blue rectangular bars&#10;&#10;AI-generated content may be incorrect.">
-            <a:extLst>
-              <a:ext uri="{FF2B5EF4-FFF2-40B4-BE49-F238E27FC236}">
-                <a16:creationId xmlns:a16="http://schemas.microsoft.com/office/drawing/2014/main" id="{8596F316-BD1E-1185-BF03-576D2076FE76}"/>
-              </a:ext>
-            </a:extLst>
-          </p:cNvPr>
-          <p:cNvPicPr>
-            <a:picLocks noChangeAspect="1"/>
-          </p:cNvPicPr>
-          <p:nvPr/>
-        </p:nvPicPr>
-        <p:blipFill>
-          <a:blip r:embed="rId3">
-            <a:extLst>
-              <a:ext uri="{28A0092B-C50C-407E-A947-70E740481C1C}">
-                <a14:useLocalDpi xmlns:a14="http://schemas.microsoft.com/office/drawing/2010/main" val="0"/>
-              </a:ext>
-            </a:extLst>
-          </a:blip>
-          <a:stretch>
-            <a:fillRect/>
-          </a:stretch>
-        </p:blipFill>
-        <p:spPr>
-          <a:xfrm>
-            <a:off x="6413621" y="3759200"/>
-            <a:ext cx="5660814" cy="2830407"/>
-          </a:xfrm>
-          <a:prstGeom prst="rect">
-            <a:avLst/>
-          </a:prstGeom>
-        </p:spPr>
-      </p:pic>
-    </p:spTree>
-    <p:extLst>
-      <p:ext uri="{BB962C8B-B14F-4D97-AF65-F5344CB8AC3E}">
-        <p14:creationId xmlns:p14="http://schemas.microsoft.com/office/powerpoint/2010/main" val="1832499019"/>
-      </p:ext>
-    </p:extLst>
-  </p:cSld>
-  <p:clrMapOvr>
-    <a:masterClrMapping/>
-  </p:clrMapOvr>
-</p:sld>
-</file>
-
-<file path=ppt/slides/slide17.xml><?xml version="1.0" encoding="utf-8"?>
-<p:sld xmlns:a="http://schemas.openxmlformats.org/drawingml/2006/main" xmlns:r="http://schemas.openxmlformats.org/officeDocument/2006/relationships" xmlns:p="http://schemas.openxmlformats.org/presentationml/2006/main">
-  <p:cSld>
-    <p:bg>
-      <p:bgPr>
-        <a:solidFill>
-          <a:schemeClr val="bg1"/>
-        </a:solidFill>
-        <a:effectLst/>
-      </p:bgPr>
-    </p:bg>
-    <p:spTree>
-      <p:nvGrpSpPr>
-        <p:cNvPr id="1" name=""/>
-        <p:cNvGrpSpPr/>
-        <p:nvPr/>
-      </p:nvGrpSpPr>
-      <p:grpSpPr>
-        <a:xfrm>
-          <a:off x="0" y="0"/>
-          <a:ext cx="0" cy="0"/>
-          <a:chOff x="0" y="0"/>
-          <a:chExt cx="0" cy="0"/>
-        </a:xfrm>
-      </p:grpSpPr>
-      <p:sp>
-        <p:nvSpPr>
-          <p:cNvPr id="9" name="Content Placeholder 8">
-            <a:extLst>
-              <a:ext uri="{FF2B5EF4-FFF2-40B4-BE49-F238E27FC236}">
-                <a16:creationId xmlns:a16="http://schemas.microsoft.com/office/drawing/2014/main" id="{FD002D9E-CD59-2D37-69FF-D67F63ED605C}"/>
-              </a:ext>
-            </a:extLst>
-          </p:cNvPr>
-          <p:cNvSpPr>
-            <a:spLocks noGrp="1"/>
-          </p:cNvSpPr>
-          <p:nvPr>
-            <p:ph idx="1"/>
-          </p:nvPr>
-        </p:nvSpPr>
-        <p:spPr>
-          <a:xfrm>
-            <a:off x="1024127" y="4325257"/>
-            <a:ext cx="10224443" cy="1892662"/>
-          </a:xfrm>
-        </p:spPr>
-        <p:txBody>
-          <a:bodyPr>
-            <a:normAutofit/>
-          </a:bodyPr>
-          <a:lstStyle/>
-          <a:p>
-            <a:r>
-              <a:rPr lang="en-US" sz="1600" dirty="0"/>
-              <a:t>Its look like a normal chars have </a:t>
-            </a:r>
-            <a:r>
-              <a:rPr kumimoji="0" lang="en-US" altLang="en-US" sz="1600" b="0" i="0" u="none" strike="noStrike" cap="none" normalizeH="0" baseline="0" dirty="0">
-                <a:ln>
-                  <a:noFill/>
-                </a:ln>
-                <a:solidFill>
-                  <a:schemeClr val="tx1"/>
-                </a:solidFill>
-                <a:effectLst/>
-                <a:latin typeface="Arial" panose="020B0604020202020204" pitchFamily="34" charset="0"/>
-              </a:rPr>
-              <a:t>Alkaline phosphatase, (an enzyme related to liver function) having a lot of it could cause death like any other enzymes in your body</a:t>
-            </a:r>
-            <a:endParaRPr lang="en-US" sz="1600" dirty="0"/>
-          </a:p>
-        </p:txBody>
-      </p:sp>
-      <p:pic>
-        <p:nvPicPr>
-          <p:cNvPr id="5" name="Content Placeholder 4" descr="A graph showing a number of data&#10;&#10;AI-generated content may be incorrect.">
-            <a:extLst>
-              <a:ext uri="{FF2B5EF4-FFF2-40B4-BE49-F238E27FC236}">
-                <a16:creationId xmlns:a16="http://schemas.microsoft.com/office/drawing/2014/main" id="{FD0D8720-7833-2097-1B64-AA5972E2C9EF}"/>
-              </a:ext>
-            </a:extLst>
-          </p:cNvPr>
-          <p:cNvPicPr>
-            <a:picLocks noChangeAspect="1"/>
-          </p:cNvPicPr>
-          <p:nvPr/>
-        </p:nvPicPr>
-        <p:blipFill>
-          <a:blip r:embed="rId2">
-            <a:extLst>
-              <a:ext uri="{28A0092B-C50C-407E-A947-70E740481C1C}">
-                <a14:useLocalDpi xmlns:a14="http://schemas.microsoft.com/office/drawing/2010/main" val="0"/>
-              </a:ext>
-            </a:extLst>
-          </a:blip>
-          <a:stretch>
-            <a:fillRect/>
-          </a:stretch>
-        </p:blipFill>
-        <p:spPr>
-          <a:xfrm>
-            <a:off x="227463" y="123530"/>
-            <a:ext cx="11737074" cy="3931919"/>
-          </a:xfrm>
-          <a:prstGeom prst="rect">
-            <a:avLst/>
-          </a:prstGeom>
-        </p:spPr>
-      </p:pic>
-    </p:spTree>
-    <p:extLst>
-      <p:ext uri="{BB962C8B-B14F-4D97-AF65-F5344CB8AC3E}">
-        <p14:creationId xmlns:p14="http://schemas.microsoft.com/office/powerpoint/2010/main" val="1070383427"/>
-      </p:ext>
-    </p:extLst>
-  </p:cSld>
-  <p:clrMapOvr>
-    <a:masterClrMapping/>
-  </p:clrMapOvr>
-</p:sld>
-</file>
-
-<file path=ppt/slides/slide18.xml><?xml version="1.0" encoding="utf-8"?>
+<file path=ppt/slides/slide19.xml><?xml version="1.0" encoding="utf-8"?>
 <p:sld xmlns:a="http://schemas.openxmlformats.org/drawingml/2006/main" xmlns:r="http://schemas.openxmlformats.org/officeDocument/2006/relationships" xmlns:p="http://schemas.openxmlformats.org/presentationml/2006/main">
   <p:cSld>
     <p:spTree>
@@ -11528,138 +12240,6 @@
     <p:extLst>
       <p:ext uri="{BB962C8B-B14F-4D97-AF65-F5344CB8AC3E}">
         <p14:creationId xmlns:p14="http://schemas.microsoft.com/office/powerpoint/2010/main" val="4139228314"/>
-      </p:ext>
-    </p:extLst>
-  </p:cSld>
-  <p:clrMapOvr>
-    <a:masterClrMapping/>
-  </p:clrMapOvr>
-</p:sld>
-</file>
-
-<file path=ppt/slides/slide19.xml><?xml version="1.0" encoding="utf-8"?>
-<p:sld xmlns:a="http://schemas.openxmlformats.org/drawingml/2006/main" xmlns:r="http://schemas.openxmlformats.org/officeDocument/2006/relationships" xmlns:p="http://schemas.openxmlformats.org/presentationml/2006/main">
-  <p:cSld>
-    <p:bg>
-      <p:bgPr>
-        <a:solidFill>
-          <a:schemeClr val="bg1"/>
-        </a:solidFill>
-        <a:effectLst/>
-      </p:bgPr>
-    </p:bg>
-    <p:spTree>
-      <p:nvGrpSpPr>
-        <p:cNvPr id="1" name=""/>
-        <p:cNvGrpSpPr/>
-        <p:nvPr/>
-      </p:nvGrpSpPr>
-      <p:grpSpPr>
-        <a:xfrm>
-          <a:off x="0" y="0"/>
-          <a:ext cx="0" cy="0"/>
-          <a:chOff x="0" y="0"/>
-          <a:chExt cx="0" cy="0"/>
-        </a:xfrm>
-      </p:grpSpPr>
-      <p:sp>
-        <p:nvSpPr>
-          <p:cNvPr id="9" name="Content Placeholder 8">
-            <a:extLst>
-              <a:ext uri="{FF2B5EF4-FFF2-40B4-BE49-F238E27FC236}">
-                <a16:creationId xmlns:a16="http://schemas.microsoft.com/office/drawing/2014/main" id="{65D0BA45-BABC-0CB7-DC16-46F8CD220B52}"/>
-              </a:ext>
-            </a:extLst>
-          </p:cNvPr>
-          <p:cNvSpPr>
-            <a:spLocks noGrp="1"/>
-          </p:cNvSpPr>
-          <p:nvPr>
-            <p:ph idx="1"/>
-          </p:nvPr>
-        </p:nvSpPr>
-        <p:spPr>
-          <a:xfrm>
-            <a:off x="1024128" y="4208008"/>
-            <a:ext cx="6390826" cy="763003"/>
-          </a:xfrm>
-        </p:spPr>
-        <p:txBody>
-          <a:bodyPr>
-            <a:normAutofit/>
-          </a:bodyPr>
-          <a:lstStyle/>
-          <a:p>
-            <a:r>
-              <a:rPr lang="en-US" sz="2400" dirty="0"/>
-              <a:t>Having a lot of </a:t>
-            </a:r>
-            <a:r>
-              <a:rPr lang="en-US" sz="2400" dirty="0">
-                <a:latin typeface="Arial" panose="020B0604020202020204" pitchFamily="34" charset="0"/>
-              </a:rPr>
-              <a:t>this </a:t>
-            </a:r>
-            <a:r>
-              <a:rPr kumimoji="0" lang="en-US" altLang="en-US" sz="2400" b="0" i="0" u="none" strike="noStrike" cap="none" normalizeH="0" baseline="0" dirty="0">
-                <a:ln>
-                  <a:noFill/>
-                </a:ln>
-                <a:solidFill>
-                  <a:schemeClr val="tx1"/>
-                </a:solidFill>
-                <a:effectLst/>
-                <a:latin typeface="Arial" panose="020B0604020202020204" pitchFamily="34" charset="0"/>
-              </a:rPr>
-              <a:t>protein </a:t>
-            </a:r>
-            <a:r>
-              <a:rPr lang="en-US" sz="2400" dirty="0"/>
-              <a:t>it could lead to death </a:t>
-            </a:r>
-          </a:p>
-        </p:txBody>
-      </p:sp>
-      <p:pic>
-        <p:nvPicPr>
-          <p:cNvPr id="5" name="Content Placeholder 4" descr="A graph showing different colored lines&#10;&#10;AI-generated content may be incorrect.">
-            <a:extLst>
-              <a:ext uri="{FF2B5EF4-FFF2-40B4-BE49-F238E27FC236}">
-                <a16:creationId xmlns:a16="http://schemas.microsoft.com/office/drawing/2014/main" id="{7F053174-9745-97CB-F3B8-73F64A28452E}"/>
-              </a:ext>
-            </a:extLst>
-          </p:cNvPr>
-          <p:cNvPicPr>
-            <a:picLocks noChangeAspect="1"/>
-          </p:cNvPicPr>
-          <p:nvPr/>
-        </p:nvPicPr>
-        <p:blipFill>
-          <a:blip r:embed="rId2">
-            <a:extLst>
-              <a:ext uri="{28A0092B-C50C-407E-A947-70E740481C1C}">
-                <a14:useLocalDpi xmlns:a14="http://schemas.microsoft.com/office/drawing/2010/main" val="0"/>
-              </a:ext>
-            </a:extLst>
-          </a:blip>
-          <a:stretch>
-            <a:fillRect/>
-          </a:stretch>
-        </p:blipFill>
-        <p:spPr>
-          <a:xfrm>
-            <a:off x="0" y="123690"/>
-            <a:ext cx="12192000" cy="4084319"/>
-          </a:xfrm>
-          <a:prstGeom prst="rect">
-            <a:avLst/>
-          </a:prstGeom>
-        </p:spPr>
-      </p:pic>
-    </p:spTree>
-    <p:extLst>
-      <p:ext uri="{BB962C8B-B14F-4D97-AF65-F5344CB8AC3E}">
-        <p14:creationId xmlns:p14="http://schemas.microsoft.com/office/powerpoint/2010/main" val="1972657683"/>
       </p:ext>
     </p:extLst>
   </p:cSld>
@@ -11835,6 +12415,772 @@
       </p:grpSpPr>
       <p:sp>
         <p:nvSpPr>
+          <p:cNvPr id="13" name="Content Placeholder 12">
+            <a:extLst>
+              <a:ext uri="{FF2B5EF4-FFF2-40B4-BE49-F238E27FC236}">
+                <a16:creationId xmlns:a16="http://schemas.microsoft.com/office/drawing/2014/main" id="{23A3C79D-D740-74DE-0B51-EE7D1EFD7FFE}"/>
+              </a:ext>
+            </a:extLst>
+          </p:cNvPr>
+          <p:cNvSpPr>
+            <a:spLocks noGrp="1"/>
+          </p:cNvSpPr>
+          <p:nvPr>
+            <p:ph idx="1"/>
+          </p:nvPr>
+        </p:nvSpPr>
+        <p:spPr>
+          <a:xfrm>
+            <a:off x="1024128" y="2286000"/>
+            <a:ext cx="5583863" cy="4023360"/>
+          </a:xfrm>
+        </p:spPr>
+        <p:txBody>
+          <a:bodyPr>
+            <a:normAutofit/>
+          </a:bodyPr>
+          <a:lstStyle/>
+          <a:p>
+            <a:pPr>
+              <a:buFont typeface="Arial" panose="020B0604020202020204" pitchFamily="34" charset="0"/>
+              <a:buChar char="•"/>
+            </a:pPr>
+            <a:r>
+              <a:rPr lang="en-US" dirty="0"/>
+              <a:t>The diagnoses of status 3 is spider veins</a:t>
+            </a:r>
+          </a:p>
+          <a:p>
+            <a:pPr>
+              <a:buFont typeface="Arial" panose="020B0604020202020204" pitchFamily="34" charset="0"/>
+              <a:buChar char="•"/>
+            </a:pPr>
+            <a:r>
+              <a:rPr lang="en-US" dirty="0"/>
+              <a:t>If the patient stated to notice a </a:t>
+            </a:r>
+            <a:r>
+              <a:rPr lang="en-US" dirty="0" err="1"/>
+              <a:t>vaues</a:t>
+            </a:r>
+            <a:r>
+              <a:rPr lang="en-US" dirty="0"/>
+              <a:t> that’s mean he is stage 2</a:t>
+            </a:r>
+          </a:p>
+          <a:p>
+            <a:pPr>
+              <a:buFont typeface="Arial" panose="020B0604020202020204" pitchFamily="34" charset="0"/>
+              <a:buChar char="•"/>
+            </a:pPr>
+            <a:r>
+              <a:rPr lang="en-US" dirty="0"/>
+              <a:t>Stage 1 doesn’t appear most likely</a:t>
+            </a:r>
+          </a:p>
+        </p:txBody>
+      </p:sp>
+      <p:pic>
+        <p:nvPicPr>
+          <p:cNvPr id="7" name="Content Placeholder 6" descr="A graph showing the status of a number of people&#10;&#10;AI-generated content may be incorrect.">
+            <a:extLst>
+              <a:ext uri="{FF2B5EF4-FFF2-40B4-BE49-F238E27FC236}">
+                <a16:creationId xmlns:a16="http://schemas.microsoft.com/office/drawing/2014/main" id="{1586437D-F4E9-EA95-8F48-975A0DC5871E}"/>
+              </a:ext>
+            </a:extLst>
+          </p:cNvPr>
+          <p:cNvPicPr>
+            <a:picLocks noChangeAspect="1"/>
+          </p:cNvPicPr>
+          <p:nvPr/>
+        </p:nvPicPr>
+        <p:blipFill>
+          <a:blip r:embed="rId2">
+            <a:extLst>
+              <a:ext uri="{28A0092B-C50C-407E-A947-70E740481C1C}">
+                <a14:useLocalDpi xmlns:a14="http://schemas.microsoft.com/office/drawing/2010/main" val="0"/>
+              </a:ext>
+            </a:extLst>
+          </a:blip>
+          <a:stretch>
+            <a:fillRect/>
+          </a:stretch>
+        </p:blipFill>
+        <p:spPr>
+          <a:xfrm>
+            <a:off x="6607991" y="1086877"/>
+            <a:ext cx="5272074" cy="2636037"/>
+          </a:xfrm>
+          <a:prstGeom prst="rect">
+            <a:avLst/>
+          </a:prstGeom>
+        </p:spPr>
+      </p:pic>
+      <p:pic>
+        <p:nvPicPr>
+          <p:cNvPr id="9" name="Picture 8" descr="A graph of blue rectangular bars&#10;&#10;AI-generated content may be incorrect.">
+            <a:extLst>
+              <a:ext uri="{FF2B5EF4-FFF2-40B4-BE49-F238E27FC236}">
+                <a16:creationId xmlns:a16="http://schemas.microsoft.com/office/drawing/2014/main" id="{8596F316-BD1E-1185-BF03-576D2076FE76}"/>
+              </a:ext>
+            </a:extLst>
+          </p:cNvPr>
+          <p:cNvPicPr>
+            <a:picLocks noChangeAspect="1"/>
+          </p:cNvPicPr>
+          <p:nvPr/>
+        </p:nvPicPr>
+        <p:blipFill>
+          <a:blip r:embed="rId3">
+            <a:extLst>
+              <a:ext uri="{28A0092B-C50C-407E-A947-70E740481C1C}">
+                <a14:useLocalDpi xmlns:a14="http://schemas.microsoft.com/office/drawing/2010/main" val="0"/>
+              </a:ext>
+            </a:extLst>
+          </a:blip>
+          <a:stretch>
+            <a:fillRect/>
+          </a:stretch>
+        </p:blipFill>
+        <p:spPr>
+          <a:xfrm>
+            <a:off x="6413621" y="3759200"/>
+            <a:ext cx="5660814" cy="2830407"/>
+          </a:xfrm>
+          <a:prstGeom prst="rect">
+            <a:avLst/>
+          </a:prstGeom>
+        </p:spPr>
+      </p:pic>
+      <p:sp>
+        <p:nvSpPr>
+          <p:cNvPr id="2" name="Title 1">
+            <a:extLst>
+              <a:ext uri="{FF2B5EF4-FFF2-40B4-BE49-F238E27FC236}">
+                <a16:creationId xmlns:a16="http://schemas.microsoft.com/office/drawing/2014/main" id="{E1847ECE-324F-66D8-9956-D2974BDCBC55}"/>
+              </a:ext>
+            </a:extLst>
+          </p:cNvPr>
+          <p:cNvSpPr>
+            <a:spLocks noGrp="1"/>
+          </p:cNvSpPr>
+          <p:nvPr>
+            <p:ph type="title"/>
+          </p:nvPr>
+        </p:nvSpPr>
+        <p:spPr>
+          <a:xfrm>
+            <a:off x="1024128" y="585216"/>
+            <a:ext cx="3133581" cy="1499616"/>
+          </a:xfrm>
+        </p:spPr>
+        <p:txBody>
+          <a:bodyPr>
+            <a:normAutofit/>
+          </a:bodyPr>
+          <a:lstStyle/>
+          <a:p>
+            <a:r>
+              <a:rPr lang="en-US" sz="4000" dirty="0"/>
+              <a:t>Distribution of the columns</a:t>
+            </a:r>
+          </a:p>
+        </p:txBody>
+      </p:sp>
+    </p:spTree>
+    <p:extLst>
+      <p:ext uri="{BB962C8B-B14F-4D97-AF65-F5344CB8AC3E}">
+        <p14:creationId xmlns:p14="http://schemas.microsoft.com/office/powerpoint/2010/main" val="1832499019"/>
+      </p:ext>
+    </p:extLst>
+  </p:cSld>
+  <p:clrMapOvr>
+    <a:masterClrMapping/>
+  </p:clrMapOvr>
+</p:sld>
+</file>
+
+<file path=ppt/slides/slide21.xml><?xml version="1.0" encoding="utf-8"?>
+<p:sld xmlns:a="http://schemas.openxmlformats.org/drawingml/2006/main" xmlns:r="http://schemas.openxmlformats.org/officeDocument/2006/relationships" xmlns:p="http://schemas.openxmlformats.org/presentationml/2006/main">
+  <p:cSld>
+    <p:spTree>
+      <p:nvGrpSpPr>
+        <p:cNvPr id="1" name=""/>
+        <p:cNvGrpSpPr/>
+        <p:nvPr/>
+      </p:nvGrpSpPr>
+      <p:grpSpPr>
+        <a:xfrm>
+          <a:off x="0" y="0"/>
+          <a:ext cx="0" cy="0"/>
+          <a:chOff x="0" y="0"/>
+          <a:chExt cx="0" cy="0"/>
+        </a:xfrm>
+      </p:grpSpPr>
+      <p:sp>
+        <p:nvSpPr>
+          <p:cNvPr id="2" name="Title 1">
+            <a:extLst>
+              <a:ext uri="{FF2B5EF4-FFF2-40B4-BE49-F238E27FC236}">
+                <a16:creationId xmlns:a16="http://schemas.microsoft.com/office/drawing/2014/main" id="{4594C6F0-027A-C7F8-E037-FB2B8E9389E7}"/>
+              </a:ext>
+            </a:extLst>
+          </p:cNvPr>
+          <p:cNvSpPr>
+            <a:spLocks noGrp="1"/>
+          </p:cNvSpPr>
+          <p:nvPr>
+            <p:ph type="title"/>
+          </p:nvPr>
+        </p:nvSpPr>
+        <p:spPr/>
+        <p:txBody>
+          <a:bodyPr/>
+          <a:lstStyle/>
+          <a:p>
+            <a:r>
+              <a:rPr lang="en-US" sz="5400" dirty="0"/>
+              <a:t>survival probability</a:t>
+            </a:r>
+            <a:endParaRPr lang="en-US" dirty="0"/>
+          </a:p>
+        </p:txBody>
+      </p:sp>
+      <p:sp>
+        <p:nvSpPr>
+          <p:cNvPr id="3" name="Content Placeholder 2">
+            <a:extLst>
+              <a:ext uri="{FF2B5EF4-FFF2-40B4-BE49-F238E27FC236}">
+                <a16:creationId xmlns:a16="http://schemas.microsoft.com/office/drawing/2014/main" id="{F4B1D9A5-254B-2C0C-1966-B80DCB58E774}"/>
+              </a:ext>
+            </a:extLst>
+          </p:cNvPr>
+          <p:cNvSpPr>
+            <a:spLocks noGrp="1"/>
+          </p:cNvSpPr>
+          <p:nvPr>
+            <p:ph idx="1"/>
+          </p:nvPr>
+        </p:nvSpPr>
+        <p:spPr/>
+        <p:txBody>
+          <a:bodyPr/>
+          <a:lstStyle/>
+          <a:p>
+            <a:pPr>
+              <a:buFont typeface="Arial" panose="020B0604020202020204" pitchFamily="34" charset="0"/>
+              <a:buChar char="•"/>
+            </a:pPr>
+            <a:r>
+              <a:rPr lang="en-US" dirty="0"/>
+              <a:t>Edema is related to kidneys retain salt and water.</a:t>
+            </a:r>
+          </a:p>
+          <a:p>
+            <a:pPr>
+              <a:buFont typeface="Arial" panose="020B0604020202020204" pitchFamily="34" charset="0"/>
+              <a:buChar char="•"/>
+            </a:pPr>
+            <a:r>
+              <a:rPr lang="en-US" dirty="0"/>
+              <a:t>Low albumin production by the liver → less fluid is held in blood vessels.</a:t>
+            </a:r>
+          </a:p>
+        </p:txBody>
+      </p:sp>
+      <p:pic>
+        <p:nvPicPr>
+          <p:cNvPr id="5" name="Picture 4" descr="A graph of a graph&#10;&#10;AI-generated content may be incorrect.">
+            <a:extLst>
+              <a:ext uri="{FF2B5EF4-FFF2-40B4-BE49-F238E27FC236}">
+                <a16:creationId xmlns:a16="http://schemas.microsoft.com/office/drawing/2014/main" id="{AB3AE96F-FDDB-A6C3-7998-4150BD09B30A}"/>
+              </a:ext>
+            </a:extLst>
+          </p:cNvPr>
+          <p:cNvPicPr>
+            <a:picLocks noChangeAspect="1"/>
+          </p:cNvPicPr>
+          <p:nvPr/>
+        </p:nvPicPr>
+        <p:blipFill>
+          <a:blip r:embed="rId2">
+            <a:extLst>
+              <a:ext uri="{28A0092B-C50C-407E-A947-70E740481C1C}">
+                <a14:useLocalDpi xmlns:a14="http://schemas.microsoft.com/office/drawing/2010/main" val="0"/>
+              </a:ext>
+            </a:extLst>
+          </a:blip>
+          <a:stretch>
+            <a:fillRect/>
+          </a:stretch>
+        </p:blipFill>
+        <p:spPr>
+          <a:xfrm>
+            <a:off x="1024128" y="3714151"/>
+            <a:ext cx="9185893" cy="3138736"/>
+          </a:xfrm>
+          <a:prstGeom prst="rect">
+            <a:avLst/>
+          </a:prstGeom>
+        </p:spPr>
+      </p:pic>
+    </p:spTree>
+    <p:extLst>
+      <p:ext uri="{BB962C8B-B14F-4D97-AF65-F5344CB8AC3E}">
+        <p14:creationId xmlns:p14="http://schemas.microsoft.com/office/powerpoint/2010/main" val="1729795323"/>
+      </p:ext>
+    </p:extLst>
+  </p:cSld>
+  <p:clrMapOvr>
+    <a:masterClrMapping/>
+  </p:clrMapOvr>
+</p:sld>
+</file>
+
+<file path=ppt/slides/slide22.xml><?xml version="1.0" encoding="utf-8"?>
+<p:sld xmlns:a="http://schemas.openxmlformats.org/drawingml/2006/main" xmlns:r="http://schemas.openxmlformats.org/officeDocument/2006/relationships" xmlns:p="http://schemas.openxmlformats.org/presentationml/2006/main">
+  <p:cSld>
+    <p:bg>
+      <p:bgPr>
+        <a:solidFill>
+          <a:schemeClr val="bg1"/>
+        </a:solidFill>
+        <a:effectLst/>
+      </p:bgPr>
+    </p:bg>
+    <p:spTree>
+      <p:nvGrpSpPr>
+        <p:cNvPr id="1" name=""/>
+        <p:cNvGrpSpPr/>
+        <p:nvPr/>
+      </p:nvGrpSpPr>
+      <p:grpSpPr>
+        <a:xfrm>
+          <a:off x="0" y="0"/>
+          <a:ext cx="0" cy="0"/>
+          <a:chOff x="0" y="0"/>
+          <a:chExt cx="0" cy="0"/>
+        </a:xfrm>
+      </p:grpSpPr>
+      <p:sp>
+        <p:nvSpPr>
+          <p:cNvPr id="9" name="Content Placeholder 8">
+            <a:extLst>
+              <a:ext uri="{FF2B5EF4-FFF2-40B4-BE49-F238E27FC236}">
+                <a16:creationId xmlns:a16="http://schemas.microsoft.com/office/drawing/2014/main" id="{65D0BA45-BABC-0CB7-DC16-46F8CD220B52}"/>
+              </a:ext>
+            </a:extLst>
+          </p:cNvPr>
+          <p:cNvSpPr>
+            <a:spLocks noGrp="1"/>
+          </p:cNvSpPr>
+          <p:nvPr>
+            <p:ph idx="1"/>
+          </p:nvPr>
+        </p:nvSpPr>
+        <p:spPr>
+          <a:xfrm>
+            <a:off x="1024128" y="4208008"/>
+            <a:ext cx="6390826" cy="763003"/>
+          </a:xfrm>
+        </p:spPr>
+        <p:txBody>
+          <a:bodyPr>
+            <a:normAutofit/>
+          </a:bodyPr>
+          <a:lstStyle/>
+          <a:p>
+            <a:r>
+              <a:rPr lang="en-US" sz="2400" dirty="0"/>
+              <a:t>Having a lot of </a:t>
+            </a:r>
+            <a:r>
+              <a:rPr lang="en-US" sz="2400" dirty="0">
+                <a:latin typeface="Arial" panose="020B0604020202020204" pitchFamily="34" charset="0"/>
+              </a:rPr>
+              <a:t>this </a:t>
+            </a:r>
+            <a:r>
+              <a:rPr kumimoji="0" lang="en-US" altLang="en-US" sz="2400" b="0" i="0" u="none" strike="noStrike" cap="none" normalizeH="0" baseline="0" dirty="0">
+                <a:ln>
+                  <a:noFill/>
+                </a:ln>
+                <a:solidFill>
+                  <a:schemeClr val="tx1"/>
+                </a:solidFill>
+                <a:effectLst/>
+                <a:latin typeface="Arial" panose="020B0604020202020204" pitchFamily="34" charset="0"/>
+              </a:rPr>
+              <a:t>protein </a:t>
+            </a:r>
+            <a:r>
+              <a:rPr lang="en-US" sz="2400" dirty="0"/>
+              <a:t>it could lead to death </a:t>
+            </a:r>
+          </a:p>
+        </p:txBody>
+      </p:sp>
+      <p:pic>
+        <p:nvPicPr>
+          <p:cNvPr id="5" name="Content Placeholder 4" descr="A graph showing different colored lines&#10;&#10;AI-generated content may be incorrect.">
+            <a:extLst>
+              <a:ext uri="{FF2B5EF4-FFF2-40B4-BE49-F238E27FC236}">
+                <a16:creationId xmlns:a16="http://schemas.microsoft.com/office/drawing/2014/main" id="{7F053174-9745-97CB-F3B8-73F64A28452E}"/>
+              </a:ext>
+            </a:extLst>
+          </p:cNvPr>
+          <p:cNvPicPr>
+            <a:picLocks noChangeAspect="1"/>
+          </p:cNvPicPr>
+          <p:nvPr/>
+        </p:nvPicPr>
+        <p:blipFill>
+          <a:blip r:embed="rId2">
+            <a:extLst>
+              <a:ext uri="{28A0092B-C50C-407E-A947-70E740481C1C}">
+                <a14:useLocalDpi xmlns:a14="http://schemas.microsoft.com/office/drawing/2010/main" val="0"/>
+              </a:ext>
+            </a:extLst>
+          </a:blip>
+          <a:stretch>
+            <a:fillRect/>
+          </a:stretch>
+        </p:blipFill>
+        <p:spPr>
+          <a:xfrm>
+            <a:off x="0" y="123690"/>
+            <a:ext cx="12192000" cy="4084319"/>
+          </a:xfrm>
+          <a:prstGeom prst="rect">
+            <a:avLst/>
+          </a:prstGeom>
+        </p:spPr>
+      </p:pic>
+    </p:spTree>
+    <p:extLst>
+      <p:ext uri="{BB962C8B-B14F-4D97-AF65-F5344CB8AC3E}">
+        <p14:creationId xmlns:p14="http://schemas.microsoft.com/office/powerpoint/2010/main" val="1972657683"/>
+      </p:ext>
+    </p:extLst>
+  </p:cSld>
+  <p:clrMapOvr>
+    <a:masterClrMapping/>
+  </p:clrMapOvr>
+</p:sld>
+</file>
+
+<file path=ppt/slides/slide23.xml><?xml version="1.0" encoding="utf-8"?>
+<p:sld xmlns:a="http://schemas.openxmlformats.org/drawingml/2006/main" xmlns:r="http://schemas.openxmlformats.org/officeDocument/2006/relationships" xmlns:p="http://schemas.openxmlformats.org/presentationml/2006/main">
+  <p:cSld>
+    <p:bg>
+      <p:bgPr>
+        <a:solidFill>
+          <a:schemeClr val="bg1"/>
+        </a:solidFill>
+        <a:effectLst/>
+      </p:bgPr>
+    </p:bg>
+    <p:spTree>
+      <p:nvGrpSpPr>
+        <p:cNvPr id="1" name=""/>
+        <p:cNvGrpSpPr/>
+        <p:nvPr/>
+      </p:nvGrpSpPr>
+      <p:grpSpPr>
+        <a:xfrm>
+          <a:off x="0" y="0"/>
+          <a:ext cx="0" cy="0"/>
+          <a:chOff x="0" y="0"/>
+          <a:chExt cx="0" cy="0"/>
+        </a:xfrm>
+      </p:grpSpPr>
+      <p:sp>
+        <p:nvSpPr>
+          <p:cNvPr id="2" name="Title 1">
+            <a:extLst>
+              <a:ext uri="{FF2B5EF4-FFF2-40B4-BE49-F238E27FC236}">
+                <a16:creationId xmlns:a16="http://schemas.microsoft.com/office/drawing/2014/main" id="{2589E9CB-D18E-DE8E-3895-E845275DEDE6}"/>
+              </a:ext>
+            </a:extLst>
+          </p:cNvPr>
+          <p:cNvSpPr>
+            <a:spLocks noGrp="1"/>
+          </p:cNvSpPr>
+          <p:nvPr>
+            <p:ph type="title"/>
+          </p:nvPr>
+        </p:nvSpPr>
+        <p:spPr>
+          <a:xfrm>
+            <a:off x="1024128" y="585216"/>
+            <a:ext cx="3133581" cy="1499616"/>
+          </a:xfrm>
+        </p:spPr>
+        <p:txBody>
+          <a:bodyPr>
+            <a:normAutofit/>
+          </a:bodyPr>
+          <a:lstStyle/>
+          <a:p>
+            <a:r>
+              <a:rPr lang="en-US" sz="4000" dirty="0"/>
+              <a:t>survival probability</a:t>
+            </a:r>
+          </a:p>
+        </p:txBody>
+      </p:sp>
+      <p:sp>
+        <p:nvSpPr>
+          <p:cNvPr id="3" name="Content Placeholder 2">
+            <a:extLst>
+              <a:ext uri="{FF2B5EF4-FFF2-40B4-BE49-F238E27FC236}">
+                <a16:creationId xmlns:a16="http://schemas.microsoft.com/office/drawing/2014/main" id="{2B5C4740-73D8-65AD-773A-FC0E8DA2F5E7}"/>
+              </a:ext>
+            </a:extLst>
+          </p:cNvPr>
+          <p:cNvSpPr>
+            <a:spLocks noGrp="1"/>
+          </p:cNvSpPr>
+          <p:nvPr>
+            <p:ph idx="1"/>
+          </p:nvPr>
+        </p:nvSpPr>
+        <p:spPr>
+          <a:xfrm>
+            <a:off x="1024128" y="2132834"/>
+            <a:ext cx="10528775" cy="1351935"/>
+          </a:xfrm>
+        </p:spPr>
+        <p:txBody>
+          <a:bodyPr>
+            <a:normAutofit/>
+          </a:bodyPr>
+          <a:lstStyle/>
+          <a:p>
+            <a:pPr>
+              <a:buFont typeface="Arial" panose="020B0604020202020204" pitchFamily="34" charset="0"/>
+              <a:buChar char="•"/>
+            </a:pPr>
+            <a:r>
+              <a:rPr lang="en-US" sz="1800" dirty="0"/>
+              <a:t>Bilirubin is crucial due to it measures  the functionality of the liver.</a:t>
+            </a:r>
+          </a:p>
+          <a:p>
+            <a:pPr>
+              <a:buFont typeface="Arial" panose="020B0604020202020204" pitchFamily="34" charset="0"/>
+              <a:buChar char="•"/>
+            </a:pPr>
+            <a:r>
+              <a:rPr lang="en-US" sz="1800" dirty="0"/>
+              <a:t>Have lower or abnormal level is a clear indicator of death.</a:t>
+            </a:r>
+          </a:p>
+          <a:p>
+            <a:pPr>
+              <a:buFont typeface="Arial" panose="020B0604020202020204" pitchFamily="34" charset="0"/>
+              <a:buChar char="•"/>
+            </a:pPr>
+            <a:r>
+              <a:rPr lang="en-US" sz="1800" dirty="0"/>
+              <a:t>Even with a slightly up normal levels that make the survival chances drops</a:t>
+            </a:r>
+          </a:p>
+        </p:txBody>
+      </p:sp>
+      <p:pic>
+        <p:nvPicPr>
+          <p:cNvPr id="7" name="Picture 6">
+            <a:extLst>
+              <a:ext uri="{FF2B5EF4-FFF2-40B4-BE49-F238E27FC236}">
+                <a16:creationId xmlns:a16="http://schemas.microsoft.com/office/drawing/2014/main" id="{5892B32D-139F-0829-D3AC-28BBA25E5DA0}"/>
+              </a:ext>
+            </a:extLst>
+          </p:cNvPr>
+          <p:cNvPicPr>
+            <a:picLocks noChangeAspect="1"/>
+          </p:cNvPicPr>
+          <p:nvPr/>
+        </p:nvPicPr>
+        <p:blipFill>
+          <a:blip r:embed="rId2"/>
+          <a:stretch>
+            <a:fillRect/>
+          </a:stretch>
+        </p:blipFill>
+        <p:spPr>
+          <a:xfrm>
+            <a:off x="786582" y="3484769"/>
+            <a:ext cx="10913804" cy="3165002"/>
+          </a:xfrm>
+          <a:prstGeom prst="rect">
+            <a:avLst/>
+          </a:prstGeom>
+        </p:spPr>
+      </p:pic>
+    </p:spTree>
+    <p:extLst>
+      <p:ext uri="{BB962C8B-B14F-4D97-AF65-F5344CB8AC3E}">
+        <p14:creationId xmlns:p14="http://schemas.microsoft.com/office/powerpoint/2010/main" val="2984426643"/>
+      </p:ext>
+    </p:extLst>
+  </p:cSld>
+  <p:clrMapOvr>
+    <a:masterClrMapping/>
+  </p:clrMapOvr>
+</p:sld>
+</file>
+
+<file path=ppt/slides/slide24.xml><?xml version="1.0" encoding="utf-8"?>
+<p:sld xmlns:a="http://schemas.openxmlformats.org/drawingml/2006/main" xmlns:r="http://schemas.openxmlformats.org/officeDocument/2006/relationships" xmlns:p="http://schemas.openxmlformats.org/presentationml/2006/main">
+  <p:cSld>
+    <p:bg>
+      <p:bgPr>
+        <a:solidFill>
+          <a:schemeClr val="bg1"/>
+        </a:solidFill>
+        <a:effectLst/>
+      </p:bgPr>
+    </p:bg>
+    <p:spTree>
+      <p:nvGrpSpPr>
+        <p:cNvPr id="1" name=""/>
+        <p:cNvGrpSpPr/>
+        <p:nvPr/>
+      </p:nvGrpSpPr>
+      <p:grpSpPr>
+        <a:xfrm>
+          <a:off x="0" y="0"/>
+          <a:ext cx="0" cy="0"/>
+          <a:chOff x="0" y="0"/>
+          <a:chExt cx="0" cy="0"/>
+        </a:xfrm>
+      </p:grpSpPr>
+      <p:sp>
+        <p:nvSpPr>
+          <p:cNvPr id="9" name="Content Placeholder 8">
+            <a:extLst>
+              <a:ext uri="{FF2B5EF4-FFF2-40B4-BE49-F238E27FC236}">
+                <a16:creationId xmlns:a16="http://schemas.microsoft.com/office/drawing/2014/main" id="{FD002D9E-CD59-2D37-69FF-D67F63ED605C}"/>
+              </a:ext>
+            </a:extLst>
+          </p:cNvPr>
+          <p:cNvSpPr>
+            <a:spLocks noGrp="1"/>
+          </p:cNvSpPr>
+          <p:nvPr>
+            <p:ph idx="1"/>
+          </p:nvPr>
+        </p:nvSpPr>
+        <p:spPr>
+          <a:xfrm>
+            <a:off x="1024127" y="4325257"/>
+            <a:ext cx="10224443" cy="1892662"/>
+          </a:xfrm>
+        </p:spPr>
+        <p:txBody>
+          <a:bodyPr>
+            <a:normAutofit/>
+          </a:bodyPr>
+          <a:lstStyle/>
+          <a:p>
+            <a:r>
+              <a:rPr lang="en-US" sz="1600" dirty="0"/>
+              <a:t>Its look like a normal chars have </a:t>
+            </a:r>
+            <a:r>
+              <a:rPr kumimoji="0" lang="en-US" altLang="en-US" sz="1600" b="0" i="0" u="none" strike="noStrike" cap="none" normalizeH="0" baseline="0" dirty="0">
+                <a:ln>
+                  <a:noFill/>
+                </a:ln>
+                <a:solidFill>
+                  <a:schemeClr val="tx1"/>
+                </a:solidFill>
+                <a:effectLst/>
+                <a:latin typeface="Arial" panose="020B0604020202020204" pitchFamily="34" charset="0"/>
+              </a:rPr>
+              <a:t>Alkaline phosphatase, (an enzyme related to liver function) having a lot of it could cause death like any other enzymes in your body</a:t>
+            </a:r>
+            <a:endParaRPr lang="en-US" sz="1600" dirty="0"/>
+          </a:p>
+        </p:txBody>
+      </p:sp>
+      <p:pic>
+        <p:nvPicPr>
+          <p:cNvPr id="5" name="Content Placeholder 4" descr="A graph showing a number of data&#10;&#10;AI-generated content may be incorrect.">
+            <a:extLst>
+              <a:ext uri="{FF2B5EF4-FFF2-40B4-BE49-F238E27FC236}">
+                <a16:creationId xmlns:a16="http://schemas.microsoft.com/office/drawing/2014/main" id="{FD0D8720-7833-2097-1B64-AA5972E2C9EF}"/>
+              </a:ext>
+            </a:extLst>
+          </p:cNvPr>
+          <p:cNvPicPr>
+            <a:picLocks noChangeAspect="1"/>
+          </p:cNvPicPr>
+          <p:nvPr/>
+        </p:nvPicPr>
+        <p:blipFill>
+          <a:blip r:embed="rId2">
+            <a:extLst>
+              <a:ext uri="{28A0092B-C50C-407E-A947-70E740481C1C}">
+                <a14:useLocalDpi xmlns:a14="http://schemas.microsoft.com/office/drawing/2010/main" val="0"/>
+              </a:ext>
+            </a:extLst>
+          </a:blip>
+          <a:stretch>
+            <a:fillRect/>
+          </a:stretch>
+        </p:blipFill>
+        <p:spPr>
+          <a:xfrm>
+            <a:off x="227463" y="123530"/>
+            <a:ext cx="11737074" cy="3931919"/>
+          </a:xfrm>
+          <a:prstGeom prst="rect">
+            <a:avLst/>
+          </a:prstGeom>
+        </p:spPr>
+      </p:pic>
+    </p:spTree>
+    <p:extLst>
+      <p:ext uri="{BB962C8B-B14F-4D97-AF65-F5344CB8AC3E}">
+        <p14:creationId xmlns:p14="http://schemas.microsoft.com/office/powerpoint/2010/main" val="1070383427"/>
+      </p:ext>
+    </p:extLst>
+  </p:cSld>
+  <p:clrMapOvr>
+    <a:masterClrMapping/>
+  </p:clrMapOvr>
+</p:sld>
+</file>
+
+<file path=ppt/slides/slide25.xml><?xml version="1.0" encoding="utf-8"?>
+<p:sld xmlns:a="http://schemas.openxmlformats.org/drawingml/2006/main" xmlns:r="http://schemas.openxmlformats.org/officeDocument/2006/relationships" xmlns:p="http://schemas.openxmlformats.org/presentationml/2006/main">
+  <p:cSld>
+    <p:bg>
+      <p:bgPr>
+        <a:solidFill>
+          <a:schemeClr val="bg1"/>
+        </a:solidFill>
+        <a:effectLst/>
+      </p:bgPr>
+    </p:bg>
+    <p:spTree>
+      <p:nvGrpSpPr>
+        <p:cNvPr id="1" name=""/>
+        <p:cNvGrpSpPr/>
+        <p:nvPr/>
+      </p:nvGrpSpPr>
+      <p:grpSpPr>
+        <a:xfrm>
+          <a:off x="0" y="0"/>
+          <a:ext cx="0" cy="0"/>
+          <a:chOff x="0" y="0"/>
+          <a:chExt cx="0" cy="0"/>
+        </a:xfrm>
+      </p:grpSpPr>
+      <p:sp>
+        <p:nvSpPr>
           <p:cNvPr id="25" name="Rectangle 24">
             <a:extLst>
               <a:ext uri="{FF2B5EF4-FFF2-40B4-BE49-F238E27FC236}">
@@ -15375,7 +16721,7 @@
           <a:p>
             <a:pPr algn="r"/>
             <a:r>
-              <a:rPr lang="en-US" spc="200"/>
+              <a:rPr lang="en-US" spc="200" dirty="0"/>
               <a:t>Modeling</a:t>
             </a:r>
           </a:p>
@@ -15493,27 +16839,8 @@
                   </a:schemeClr>
                 </a:solidFill>
               </a:rPr>
-              <a:t>Logistic is the </a:t>
+              <a:t>Logistic is the worst</a:t>
             </a:r>
-            <a:r>
-              <a:rPr lang="en-US" sz="1800" dirty="0" err="1">
-                <a:solidFill>
-                  <a:schemeClr val="tx1">
-                    <a:lumMod val="95000"/>
-                    <a:lumOff val="5000"/>
-                  </a:schemeClr>
-                </a:solidFill>
-              </a:rPr>
-              <a:t>worest</a:t>
-            </a:r>
-            <a:endParaRPr lang="en-US" sz="1800" dirty="0">
-              <a:solidFill>
-                <a:schemeClr val="tx1">
-                  <a:lumMod val="95000"/>
-                  <a:lumOff val="5000"/>
-                </a:schemeClr>
-              </a:solidFill>
-            </a:endParaRPr>
           </a:p>
         </p:txBody>
       </p:sp>
@@ -15825,7 +17152,7 @@
 </p:sld>
 </file>
 
-<file path=ppt/slides/slide21.xml><?xml version="1.0" encoding="utf-8"?>
+<file path=ppt/slides/slide26.xml><?xml version="1.0" encoding="utf-8"?>
 <p:sld xmlns:a="http://schemas.openxmlformats.org/drawingml/2006/main" xmlns:r="http://schemas.openxmlformats.org/officeDocument/2006/relationships" xmlns:p="http://schemas.openxmlformats.org/presentationml/2006/main">
   <p:cSld>
     <p:bg>
@@ -16779,7 +18106,7 @@
 </p:sld>
 </file>
 
-<file path=ppt/slides/slide22.xml><?xml version="1.0" encoding="utf-8"?>
+<file path=ppt/slides/slide27.xml><?xml version="1.0" encoding="utf-8"?>
 <p:sld xmlns:a="http://schemas.openxmlformats.org/drawingml/2006/main" xmlns:r="http://schemas.openxmlformats.org/officeDocument/2006/relationships" xmlns:p="http://schemas.openxmlformats.org/presentationml/2006/main">
   <p:cSld>
     <p:bg>
@@ -16911,6 +18238,42 @@
           </a:prstGeom>
         </p:spPr>
       </p:pic>
+      <p:sp>
+        <p:nvSpPr>
+          <p:cNvPr id="2" name="Title 1">
+            <a:extLst>
+              <a:ext uri="{FF2B5EF4-FFF2-40B4-BE49-F238E27FC236}">
+                <a16:creationId xmlns:a16="http://schemas.microsoft.com/office/drawing/2014/main" id="{F0E51D7E-A7DF-8DB3-B21A-23565BCDB3D8}"/>
+              </a:ext>
+            </a:extLst>
+          </p:cNvPr>
+          <p:cNvSpPr>
+            <a:spLocks noGrp="1"/>
+          </p:cNvSpPr>
+          <p:nvPr>
+            <p:ph type="title"/>
+          </p:nvPr>
+        </p:nvSpPr>
+        <p:spPr>
+          <a:xfrm>
+            <a:off x="621962" y="594766"/>
+            <a:ext cx="2629645" cy="1463040"/>
+          </a:xfrm>
+        </p:spPr>
+        <p:txBody>
+          <a:bodyPr vert="horz" lIns="91440" tIns="45720" rIns="91440" bIns="45720" rtlCol="0" anchor="ctr">
+            <a:normAutofit/>
+          </a:bodyPr>
+          <a:lstStyle/>
+          <a:p>
+            <a:pPr algn="r"/>
+            <a:r>
+              <a:rPr lang="en-US" spc="200" dirty="0"/>
+              <a:t>Modeling</a:t>
+            </a:r>
+          </a:p>
+        </p:txBody>
+      </p:sp>
     </p:spTree>
     <p:extLst>
       <p:ext uri="{BB962C8B-B14F-4D97-AF65-F5344CB8AC3E}">
@@ -16921,10 +18284,102 @@
   <p:clrMapOvr>
     <a:masterClrMapping/>
   </p:clrMapOvr>
+  <p:timing>
+    <p:tnLst>
+      <p:par>
+        <p:cTn id="1" dur="indefinite" restart="never" nodeType="tmRoot">
+          <p:childTnLst>
+            <p:seq concurrent="1" nextAc="seek">
+              <p:cTn id="2" dur="indefinite" nodeType="mainSeq">
+                <p:childTnLst>
+                  <p:par>
+                    <p:cTn id="3" fill="hold">
+                      <p:stCondLst>
+                        <p:cond delay="indefinite"/>
+                        <p:cond evt="onBegin" delay="0">
+                          <p:tn val="2"/>
+                        </p:cond>
+                      </p:stCondLst>
+                      <p:childTnLst>
+                        <p:par>
+                          <p:cTn id="4" fill="hold">
+                            <p:stCondLst>
+                              <p:cond delay="0"/>
+                            </p:stCondLst>
+                            <p:childTnLst>
+                              <p:par>
+                                <p:cTn id="5" presetID="10" presetClass="entr" presetSubtype="0" fill="hold" grpId="0" nodeType="withEffect">
+                                  <p:stCondLst>
+                                    <p:cond delay="1000"/>
+                                  </p:stCondLst>
+                                  <p:iterate>
+                                    <p:tmPct val="10000"/>
+                                  </p:iterate>
+                                  <p:childTnLst>
+                                    <p:set>
+                                      <p:cBhvr>
+                                        <p:cTn id="6" dur="1" fill="hold">
+                                          <p:stCondLst>
+                                            <p:cond delay="0"/>
+                                          </p:stCondLst>
+                                        </p:cTn>
+                                        <p:tgtEl>
+                                          <p:spTgt spid="2"/>
+                                        </p:tgtEl>
+                                        <p:attrNameLst>
+                                          <p:attrName>style.visibility</p:attrName>
+                                        </p:attrNameLst>
+                                      </p:cBhvr>
+                                      <p:to>
+                                        <p:strVal val="visible"/>
+                                      </p:to>
+                                    </p:set>
+                                    <p:animEffect transition="in" filter="fade">
+                                      <p:cBhvr>
+                                        <p:cTn id="7" dur="700"/>
+                                        <p:tgtEl>
+                                          <p:spTgt spid="2"/>
+                                        </p:tgtEl>
+                                      </p:cBhvr>
+                                    </p:animEffect>
+                                  </p:childTnLst>
+                                </p:cTn>
+                              </p:par>
+                            </p:childTnLst>
+                          </p:cTn>
+                        </p:par>
+                      </p:childTnLst>
+                    </p:cTn>
+                  </p:par>
+                </p:childTnLst>
+              </p:cTn>
+              <p:prevCondLst>
+                <p:cond evt="onPrev" delay="0">
+                  <p:tgtEl>
+                    <p:sldTgt/>
+                  </p:tgtEl>
+                </p:cond>
+              </p:prevCondLst>
+              <p:nextCondLst>
+                <p:cond evt="onNext" delay="0">
+                  <p:tgtEl>
+                    <p:sldTgt/>
+                  </p:tgtEl>
+                </p:cond>
+              </p:nextCondLst>
+            </p:seq>
+          </p:childTnLst>
+        </p:cTn>
+      </p:par>
+    </p:tnLst>
+    <p:bldLst>
+      <p:bldP spid="2" grpId="0"/>
+    </p:bldLst>
+  </p:timing>
 </p:sld>
 </file>
 
-<file path=ppt/slides/slide23.xml><?xml version="1.0" encoding="utf-8"?>
+<file path=ppt/slides/slide28.xml><?xml version="1.0" encoding="utf-8"?>
 <p:sld xmlns:a="http://schemas.openxmlformats.org/drawingml/2006/main" xmlns:r="http://schemas.openxmlformats.org/officeDocument/2006/relationships" xmlns:p="http://schemas.openxmlformats.org/presentationml/2006/main">
   <p:cSld>
     <p:bg>
@@ -22162,7 +23617,7 @@
 </p:sld>
 </file>
 
-<file path=ppt/slides/slide24.xml><?xml version="1.0" encoding="utf-8"?>
+<file path=ppt/slides/slide29.xml><?xml version="1.0" encoding="utf-8"?>
 <p:sld xmlns:a="http://schemas.openxmlformats.org/drawingml/2006/main" xmlns:r="http://schemas.openxmlformats.org/officeDocument/2006/relationships" xmlns:p="http://schemas.openxmlformats.org/presentationml/2006/main">
   <p:cSld>
     <p:spTree>
@@ -22248,6 +23703,42 @@
           </a:p>
         </p:txBody>
       </p:sp>
+      <p:sp>
+        <p:nvSpPr>
+          <p:cNvPr id="2" name="Title 1">
+            <a:extLst>
+              <a:ext uri="{FF2B5EF4-FFF2-40B4-BE49-F238E27FC236}">
+                <a16:creationId xmlns:a16="http://schemas.microsoft.com/office/drawing/2014/main" id="{F51BC74A-24BB-E39E-B4DE-EFC000DBB2F8}"/>
+              </a:ext>
+            </a:extLst>
+          </p:cNvPr>
+          <p:cNvSpPr>
+            <a:spLocks noGrp="1"/>
+          </p:cNvSpPr>
+          <p:nvPr>
+            <p:ph type="title"/>
+          </p:nvPr>
+        </p:nvSpPr>
+        <p:spPr>
+          <a:xfrm>
+            <a:off x="621962" y="594766"/>
+            <a:ext cx="2629645" cy="1463040"/>
+          </a:xfrm>
+        </p:spPr>
+        <p:txBody>
+          <a:bodyPr vert="horz" lIns="91440" tIns="45720" rIns="91440" bIns="45720" rtlCol="0" anchor="ctr">
+            <a:normAutofit/>
+          </a:bodyPr>
+          <a:lstStyle/>
+          <a:p>
+            <a:pPr algn="r"/>
+            <a:r>
+              <a:rPr lang="en-US" spc="200" dirty="0"/>
+              <a:t>Modeling</a:t>
+            </a:r>
+          </a:p>
+        </p:txBody>
+      </p:sp>
     </p:spTree>
     <p:extLst>
       <p:ext uri="{BB962C8B-B14F-4D97-AF65-F5344CB8AC3E}">
@@ -22258,10 +23749,217 @@
   <p:clrMapOvr>
     <a:masterClrMapping/>
   </p:clrMapOvr>
+  <p:timing>
+    <p:tnLst>
+      <p:par>
+        <p:cTn id="1" dur="indefinite" restart="never" nodeType="tmRoot">
+          <p:childTnLst>
+            <p:seq concurrent="1" nextAc="seek">
+              <p:cTn id="2" dur="indefinite" nodeType="mainSeq">
+                <p:childTnLst>
+                  <p:par>
+                    <p:cTn id="3" fill="hold">
+                      <p:stCondLst>
+                        <p:cond delay="indefinite"/>
+                        <p:cond evt="onBegin" delay="0">
+                          <p:tn val="2"/>
+                        </p:cond>
+                      </p:stCondLst>
+                      <p:childTnLst>
+                        <p:par>
+                          <p:cTn id="4" fill="hold">
+                            <p:stCondLst>
+                              <p:cond delay="0"/>
+                            </p:stCondLst>
+                            <p:childTnLst>
+                              <p:par>
+                                <p:cTn id="5" presetID="10" presetClass="entr" presetSubtype="0" fill="hold" grpId="0" nodeType="withEffect">
+                                  <p:stCondLst>
+                                    <p:cond delay="1000"/>
+                                  </p:stCondLst>
+                                  <p:iterate>
+                                    <p:tmPct val="10000"/>
+                                  </p:iterate>
+                                  <p:childTnLst>
+                                    <p:set>
+                                      <p:cBhvr>
+                                        <p:cTn id="6" dur="1" fill="hold">
+                                          <p:stCondLst>
+                                            <p:cond delay="0"/>
+                                          </p:stCondLst>
+                                        </p:cTn>
+                                        <p:tgtEl>
+                                          <p:spTgt spid="2"/>
+                                        </p:tgtEl>
+                                        <p:attrNameLst>
+                                          <p:attrName>style.visibility</p:attrName>
+                                        </p:attrNameLst>
+                                      </p:cBhvr>
+                                      <p:to>
+                                        <p:strVal val="visible"/>
+                                      </p:to>
+                                    </p:set>
+                                    <p:animEffect transition="in" filter="fade">
+                                      <p:cBhvr>
+                                        <p:cTn id="7" dur="700"/>
+                                        <p:tgtEl>
+                                          <p:spTgt spid="2"/>
+                                        </p:tgtEl>
+                                      </p:cBhvr>
+                                    </p:animEffect>
+                                  </p:childTnLst>
+                                </p:cTn>
+                              </p:par>
+                            </p:childTnLst>
+                          </p:cTn>
+                        </p:par>
+                      </p:childTnLst>
+                    </p:cTn>
+                  </p:par>
+                </p:childTnLst>
+              </p:cTn>
+              <p:prevCondLst>
+                <p:cond evt="onPrev" delay="0">
+                  <p:tgtEl>
+                    <p:sldTgt/>
+                  </p:tgtEl>
+                </p:cond>
+              </p:prevCondLst>
+              <p:nextCondLst>
+                <p:cond evt="onNext" delay="0">
+                  <p:tgtEl>
+                    <p:sldTgt/>
+                  </p:tgtEl>
+                </p:cond>
+              </p:nextCondLst>
+            </p:seq>
+          </p:childTnLst>
+        </p:cTn>
+      </p:par>
+    </p:tnLst>
+    <p:bldLst>
+      <p:bldP spid="2" grpId="0"/>
+    </p:bldLst>
+  </p:timing>
 </p:sld>
 </file>
 
-<file path=ppt/slides/slide25.xml><?xml version="1.0" encoding="utf-8"?>
+<file path=ppt/slides/slide3.xml><?xml version="1.0" encoding="utf-8"?>
+<p:sld xmlns:a="http://schemas.openxmlformats.org/drawingml/2006/main" xmlns:r="http://schemas.openxmlformats.org/officeDocument/2006/relationships" xmlns:p="http://schemas.openxmlformats.org/presentationml/2006/main">
+  <p:cSld>
+    <p:spTree>
+      <p:nvGrpSpPr>
+        <p:cNvPr id="1" name=""/>
+        <p:cNvGrpSpPr/>
+        <p:nvPr/>
+      </p:nvGrpSpPr>
+      <p:grpSpPr>
+        <a:xfrm>
+          <a:off x="0" y="0"/>
+          <a:ext cx="0" cy="0"/>
+          <a:chOff x="0" y="0"/>
+          <a:chExt cx="0" cy="0"/>
+        </a:xfrm>
+      </p:grpSpPr>
+      <p:sp>
+        <p:nvSpPr>
+          <p:cNvPr id="2" name="Title 1">
+            <a:extLst>
+              <a:ext uri="{FF2B5EF4-FFF2-40B4-BE49-F238E27FC236}">
+                <a16:creationId xmlns:a16="http://schemas.microsoft.com/office/drawing/2014/main" id="{E9B75E8A-0158-2764-ED08-B184F63B5A91}"/>
+              </a:ext>
+            </a:extLst>
+          </p:cNvPr>
+          <p:cNvSpPr>
+            <a:spLocks noGrp="1"/>
+          </p:cNvSpPr>
+          <p:nvPr>
+            <p:ph type="title"/>
+          </p:nvPr>
+        </p:nvSpPr>
+        <p:spPr/>
+        <p:txBody>
+          <a:bodyPr/>
+          <a:lstStyle/>
+          <a:p>
+            <a:r>
+              <a:rPr lang="en-US" dirty="0"/>
+              <a:t>Introduction</a:t>
+            </a:r>
+          </a:p>
+        </p:txBody>
+      </p:sp>
+      <p:sp>
+        <p:nvSpPr>
+          <p:cNvPr id="3" name="Content Placeholder 2">
+            <a:extLst>
+              <a:ext uri="{FF2B5EF4-FFF2-40B4-BE49-F238E27FC236}">
+                <a16:creationId xmlns:a16="http://schemas.microsoft.com/office/drawing/2014/main" id="{B9FDF135-E8CD-7DD1-4F15-96FB027A162C}"/>
+              </a:ext>
+            </a:extLst>
+          </p:cNvPr>
+          <p:cNvSpPr>
+            <a:spLocks noGrp="1"/>
+          </p:cNvSpPr>
+          <p:nvPr>
+            <p:ph idx="1"/>
+          </p:nvPr>
+        </p:nvSpPr>
+        <p:spPr/>
+        <p:txBody>
+          <a:bodyPr>
+            <a:normAutofit/>
+          </a:bodyPr>
+          <a:lstStyle/>
+          <a:p>
+            <a:pPr>
+              <a:buFont typeface="Arial" panose="020B0604020202020204" pitchFamily="34" charset="0"/>
+              <a:buChar char="•"/>
+            </a:pPr>
+            <a:r>
+              <a:rPr lang="en-US" sz="3200" dirty="0"/>
+              <a:t> Predicting the level of liver cirrhosis of a patient.</a:t>
+            </a:r>
+          </a:p>
+          <a:p>
+            <a:pPr marL="0" indent="0">
+              <a:buNone/>
+            </a:pPr>
+            <a:endParaRPr lang="en-US" sz="3200" dirty="0"/>
+          </a:p>
+          <a:p>
+            <a:pPr>
+              <a:buFont typeface="Arial" panose="020B0604020202020204" pitchFamily="34" charset="0"/>
+              <a:buChar char="•"/>
+            </a:pPr>
+            <a:r>
+              <a:rPr lang="en-US" sz="3200" dirty="0"/>
+              <a:t> liver cirrhosis is critical sick because it can lead to death or in more lucky situations a liver transplant could make the patient survive.</a:t>
+            </a:r>
+          </a:p>
+          <a:p>
+            <a:pPr>
+              <a:buFont typeface="Arial" panose="020B0604020202020204" pitchFamily="34" charset="0"/>
+              <a:buChar char="•"/>
+            </a:pPr>
+            <a:endParaRPr lang="en-US" sz="3200" dirty="0"/>
+          </a:p>
+        </p:txBody>
+      </p:sp>
+    </p:spTree>
+    <p:extLst>
+      <p:ext uri="{BB962C8B-B14F-4D97-AF65-F5344CB8AC3E}">
+        <p14:creationId xmlns:p14="http://schemas.microsoft.com/office/powerpoint/2010/main" val="818287290"/>
+      </p:ext>
+    </p:extLst>
+  </p:cSld>
+  <p:clrMapOvr>
+    <a:masterClrMapping/>
+  </p:clrMapOvr>
+</p:sld>
+</file>
+
+<file path=ppt/slides/slide30.xml><?xml version="1.0" encoding="utf-8"?>
 <p:sld xmlns:a="http://schemas.openxmlformats.org/drawingml/2006/main" xmlns:r="http://schemas.openxmlformats.org/officeDocument/2006/relationships" xmlns:p="http://schemas.openxmlformats.org/presentationml/2006/main">
   <p:cSld>
     <p:bg>
@@ -24044,7 +25742,7 @@
 </p:sld>
 </file>
 
-<file path=ppt/slides/slide26.xml><?xml version="1.0" encoding="utf-8"?>
+<file path=ppt/slides/slide31.xml><?xml version="1.0" encoding="utf-8"?>
 <p:sld xmlns:a="http://schemas.openxmlformats.org/drawingml/2006/main" xmlns:r="http://schemas.openxmlformats.org/officeDocument/2006/relationships" xmlns:p="http://schemas.openxmlformats.org/presentationml/2006/main">
   <p:cSld>
     <p:spTree>
@@ -24289,7 +25987,7 @@
 </p:sld>
 </file>
 
-<file path=ppt/slides/slide27.xml><?xml version="1.0" encoding="utf-8"?>
+<file path=ppt/slides/slide32.xml><?xml version="1.0" encoding="utf-8"?>
 <p:sld xmlns:a="http://schemas.openxmlformats.org/drawingml/2006/main" xmlns:r="http://schemas.openxmlformats.org/officeDocument/2006/relationships" xmlns:p="http://schemas.openxmlformats.org/presentationml/2006/main">
   <p:cSld>
     <p:spTree>
@@ -24390,7 +26088,7 @@
 </p:sld>
 </file>
 
-<file path=ppt/slides/slide28.xml><?xml version="1.0" encoding="utf-8"?>
+<file path=ppt/slides/slide33.xml><?xml version="1.0" encoding="utf-8"?>
 <p:sld xmlns:a="http://schemas.openxmlformats.org/drawingml/2006/main" xmlns:r="http://schemas.openxmlformats.org/officeDocument/2006/relationships" xmlns:p="http://schemas.openxmlformats.org/presentationml/2006/main">
   <p:cSld>
     <p:spTree>
@@ -24456,18 +26154,30 @@
           <a:bodyPr/>
           <a:lstStyle/>
           <a:p>
+            <a:pPr>
+              <a:buFont typeface="Arial" panose="020B0604020202020204" pitchFamily="34" charset="0"/>
+              <a:buChar char="•"/>
+            </a:pPr>
             <a:r>
               <a:rPr lang="en-US" dirty="0"/>
               <a:t>After that we can say </a:t>
             </a:r>
           </a:p>
           <a:p>
+            <a:pPr>
+              <a:buFont typeface="Arial" panose="020B0604020202020204" pitchFamily="34" charset="0"/>
+              <a:buChar char="•"/>
+            </a:pPr>
             <a:r>
               <a:rPr lang="en-US" dirty="0"/>
-              <a:t>If you notice abnormal about of hepatomegaly and spider vanes rush to the hospital </a:t>
+              <a:t>If you notice abnormal about of hepatomegaly, spider vanes, enlarged limbs, yellow skin color or weight eyes, or heaviness in the right side of the body rush to the hospital </a:t>
             </a:r>
           </a:p>
           <a:p>
+            <a:pPr>
+              <a:buFont typeface="Arial" panose="020B0604020202020204" pitchFamily="34" charset="0"/>
+              <a:buChar char="•"/>
+            </a:pPr>
             <a:r>
               <a:rPr lang="en-US" dirty="0"/>
               <a:t>Stay healthy and a stay safe </a:t>
@@ -24495,7 +26205,7 @@
 </p:sld>
 </file>
 
-<file path=ppt/slides/slide29.xml><?xml version="1.0" encoding="utf-8"?>
+<file path=ppt/slides/slide34.xml><?xml version="1.0" encoding="utf-8"?>
 <p:sld xmlns:a="http://schemas.openxmlformats.org/drawingml/2006/main" xmlns:r="http://schemas.openxmlformats.org/officeDocument/2006/relationships" xmlns:p="http://schemas.openxmlformats.org/presentationml/2006/main">
   <p:cSld>
     <p:bg>
@@ -25053,121 +26763,6 @@
   </p:cSld>
   <p:clrMapOvr>
     <a:overrideClrMapping bg1="dk1" tx1="lt1" bg2="dk2" tx2="lt2" accent1="accent1" accent2="accent2" accent3="accent3" accent4="accent4" accent5="accent5" accent6="accent6" hlink="hlink" folHlink="folHlink"/>
-  </p:clrMapOvr>
-</p:sld>
-</file>
-
-<file path=ppt/slides/slide3.xml><?xml version="1.0" encoding="utf-8"?>
-<p:sld xmlns:a="http://schemas.openxmlformats.org/drawingml/2006/main" xmlns:r="http://schemas.openxmlformats.org/officeDocument/2006/relationships" xmlns:p="http://schemas.openxmlformats.org/presentationml/2006/main">
-  <p:cSld>
-    <p:spTree>
-      <p:nvGrpSpPr>
-        <p:cNvPr id="1" name=""/>
-        <p:cNvGrpSpPr/>
-        <p:nvPr/>
-      </p:nvGrpSpPr>
-      <p:grpSpPr>
-        <a:xfrm>
-          <a:off x="0" y="0"/>
-          <a:ext cx="0" cy="0"/>
-          <a:chOff x="0" y="0"/>
-          <a:chExt cx="0" cy="0"/>
-        </a:xfrm>
-      </p:grpSpPr>
-      <p:sp>
-        <p:nvSpPr>
-          <p:cNvPr id="2" name="Title 1">
-            <a:extLst>
-              <a:ext uri="{FF2B5EF4-FFF2-40B4-BE49-F238E27FC236}">
-                <a16:creationId xmlns:a16="http://schemas.microsoft.com/office/drawing/2014/main" id="{E9B75E8A-0158-2764-ED08-B184F63B5A91}"/>
-              </a:ext>
-            </a:extLst>
-          </p:cNvPr>
-          <p:cNvSpPr>
-            <a:spLocks noGrp="1"/>
-          </p:cNvSpPr>
-          <p:nvPr>
-            <p:ph type="title"/>
-          </p:nvPr>
-        </p:nvSpPr>
-        <p:spPr/>
-        <p:txBody>
-          <a:bodyPr/>
-          <a:lstStyle/>
-          <a:p>
-            <a:r>
-              <a:rPr lang="en-US" dirty="0"/>
-              <a:t>Introduction</a:t>
-            </a:r>
-          </a:p>
-        </p:txBody>
-      </p:sp>
-      <p:sp>
-        <p:nvSpPr>
-          <p:cNvPr id="3" name="Content Placeholder 2">
-            <a:extLst>
-              <a:ext uri="{FF2B5EF4-FFF2-40B4-BE49-F238E27FC236}">
-                <a16:creationId xmlns:a16="http://schemas.microsoft.com/office/drawing/2014/main" id="{B9FDF135-E8CD-7DD1-4F15-96FB027A162C}"/>
-              </a:ext>
-            </a:extLst>
-          </p:cNvPr>
-          <p:cNvSpPr>
-            <a:spLocks noGrp="1"/>
-          </p:cNvSpPr>
-          <p:nvPr>
-            <p:ph idx="1"/>
-          </p:nvPr>
-        </p:nvSpPr>
-        <p:spPr/>
-        <p:txBody>
-          <a:bodyPr>
-            <a:normAutofit/>
-          </a:bodyPr>
-          <a:lstStyle/>
-          <a:p>
-            <a:pPr>
-              <a:buFont typeface="Arial" panose="020B0604020202020204" pitchFamily="34" charset="0"/>
-              <a:buChar char="•"/>
-            </a:pPr>
-            <a:r>
-              <a:rPr lang="en-US" sz="3200" dirty="0"/>
-              <a:t> Predicting the level of liver cirrhosis of a patient.</a:t>
-            </a:r>
-          </a:p>
-          <a:p>
-            <a:pPr marL="0" indent="0">
-              <a:buNone/>
-            </a:pPr>
-            <a:endParaRPr lang="en-US" sz="3200" dirty="0"/>
-          </a:p>
-          <a:p>
-            <a:pPr>
-              <a:buFont typeface="Arial" panose="020B0604020202020204" pitchFamily="34" charset="0"/>
-              <a:buChar char="•"/>
-            </a:pPr>
-            <a:r>
-              <a:rPr lang="en-US" sz="3200" dirty="0"/>
-              <a:t> liver cirrhosis is critical sick because it can lead to death or in more lucky situations a liver transplant could make the patient survive.</a:t>
-            </a:r>
-          </a:p>
-          <a:p>
-            <a:pPr>
-              <a:buFont typeface="Arial" panose="020B0604020202020204" pitchFamily="34" charset="0"/>
-              <a:buChar char="•"/>
-            </a:pPr>
-            <a:endParaRPr lang="en-US" sz="3200" dirty="0"/>
-          </a:p>
-        </p:txBody>
-      </p:sp>
-    </p:spTree>
-    <p:extLst>
-      <p:ext uri="{BB962C8B-B14F-4D97-AF65-F5344CB8AC3E}">
-        <p14:creationId xmlns:p14="http://schemas.microsoft.com/office/powerpoint/2010/main" val="818287290"/>
-      </p:ext>
-    </p:extLst>
-  </p:cSld>
-  <p:clrMapOvr>
-    <a:masterClrMapping/>
   </p:clrMapOvr>
 </p:sld>
 </file>
@@ -26430,15 +28025,7 @@
             </a:pPr>
             <a:r>
               <a:rPr lang="en-US" sz="2000" dirty="0"/>
-              <a:t>Check </a:t>
-            </a:r>
-            <a:r>
-              <a:rPr lang="en-US" sz="2000" dirty="0" err="1"/>
-              <a:t>dublicates</a:t>
-            </a:r>
-            <a:r>
-              <a:rPr lang="en-US" sz="2000" dirty="0"/>
-              <a:t> there is 15361 rows and drop them</a:t>
+              <a:t>Check duplicates there is 15361 rows and drop them</a:t>
             </a:r>
           </a:p>
           <a:p>
@@ -26586,21 +28173,8 @@
             </a:r>
             <a:r>
               <a:rPr lang="en-US" dirty="0"/>
-              <a:t> are negative due to </a:t>
+              <a:t> are negative due to a longer u stay the more likely u will note survive</a:t>
             </a:r>
-            <a:r>
-              <a:rPr lang="en-US" dirty="0" err="1"/>
-              <a:t>alonger</a:t>
-            </a:r>
-            <a:r>
-              <a:rPr lang="en-US" dirty="0"/>
-              <a:t> u stay the more likely u will </a:t>
-            </a:r>
-            <a:r>
-              <a:rPr lang="en-US"/>
-              <a:t>note survive</a:t>
-            </a:r>
-            <a:endParaRPr lang="en-US" dirty="0"/>
           </a:p>
         </p:txBody>
       </p:sp>
@@ -26755,15 +28329,17 @@
             </a:r>
             <a:r>
               <a:rPr lang="en-US" sz="2000" dirty="0"/>
-              <a:t>, Cholesterol, </a:t>
+              <a:t>, Cholesterol, Triglycerides, Platelets, Sgot descending ordered.</a:t>
             </a:r>
-            <a:r>
-              <a:rPr lang="en-US" sz="2000" dirty="0" err="1"/>
-              <a:t>Tryglicenrides</a:t>
-            </a:r>
+          </a:p>
+          <a:p>
+            <a:pPr>
+              <a:buFont typeface="Arial" panose="020B0604020202020204" pitchFamily="34" charset="0"/>
+              <a:buChar char="•"/>
+            </a:pPr>
             <a:r>
               <a:rPr lang="en-US" sz="2000" dirty="0"/>
-              <a:t>, Platelets, Sgot descending ordered</a:t>
+              <a:t>The outliers handling it not easy because this is a real values not a bad entry or an usual values.</a:t>
             </a:r>
           </a:p>
         </p:txBody>
@@ -26889,7 +28465,7 @@
         </p:nvSpPr>
         <p:spPr>
           <a:xfrm>
-            <a:off x="1024128" y="2286000"/>
+            <a:off x="1024127" y="3338051"/>
             <a:ext cx="6066818" cy="939338"/>
           </a:xfrm>
         </p:spPr>
@@ -26939,8 +28515,8 @@
         </p:blipFill>
         <p:spPr>
           <a:xfrm>
-            <a:off x="7552266" y="10"/>
-            <a:ext cx="4639733" cy="2285990"/>
+            <a:off x="7246930" y="9"/>
+            <a:ext cx="4945070" cy="2436429"/>
           </a:xfrm>
           <a:prstGeom prst="rect">
             <a:avLst/>
@@ -26974,8 +28550,8 @@
         </p:blipFill>
         <p:spPr>
           <a:xfrm>
-            <a:off x="7552266" y="2286000"/>
-            <a:ext cx="4639733" cy="2286000"/>
+            <a:off x="7090946" y="2285999"/>
+            <a:ext cx="5101053" cy="2513293"/>
           </a:xfrm>
           <a:prstGeom prst="rect">
             <a:avLst/>
@@ -27009,7 +28585,7 @@
         </p:blipFill>
         <p:spPr>
           <a:xfrm>
-            <a:off x="7286259" y="4572000"/>
+            <a:off x="7246929" y="4572000"/>
             <a:ext cx="4639734" cy="2286000"/>
           </a:xfrm>
           <a:prstGeom prst="rect">
